--- a/reports/interim_presentation.pptx
+++ b/reports/interim_presentation.pptx
@@ -1272,8 +1272,20 @@
           <a:lstStyle/>
           <a:p>
             <a:r>
+              <a:rPr lang="en-US"/>
+              <a:t>Network graph - </a:t>
+            </a:r>
+            <a:r>
               <a:rPr lang="en-US" dirty="0"/>
-              <a:t>Funnel and sub-funnel structure</a:t>
+              <a:t>f</a:t>
+            </a:r>
+            <a:r>
+              <a:rPr lang="en-US"/>
+              <a:t>unnel </a:t>
+            </a:r>
+            <a:r>
+              <a:rPr lang="en-US" dirty="0"/>
+              <a:t>and sub-funnel structure</a:t>
             </a:r>
           </a:p>
           <a:p>
@@ -6103,7 +6115,7 @@
         <p:spPr/>
         <p:txBody>
           <a:bodyPr>
-            <a:normAutofit/>
+            <a:normAutofit fontScale="85000" lnSpcReduction="20000"/>
           </a:bodyPr>
           <a:lstStyle/>
           <a:p>
@@ -6114,7 +6126,7 @@
             </a:pPr>
             <a:r>
               <a:rPr lang="en-US" dirty="0"/>
-              <a:t>Data cleaning errors:</a:t>
+              <a:t>Data cleaning:</a:t>
             </a:r>
           </a:p>
           <a:p>
@@ -6144,6 +6156,17 @@
             </a:pPr>
             <a:r>
               <a:rPr lang="en-US" dirty="0"/>
+              <a:t>I only used bootcamp application data, not attendees – the apps were more consistent. I do have some attendee data</a:t>
+            </a:r>
+          </a:p>
+          <a:p>
+            <a:pPr lvl="1">
+              <a:lnSpc>
+                <a:spcPct val="150000"/>
+              </a:lnSpc>
+            </a:pPr>
+            <a:r>
+              <a:rPr lang="en-US" dirty="0"/>
               <a:t>Affinity data (all people and organizations) is from July 14</a:t>
             </a:r>
             <a:r>
@@ -6163,7 +6186,15 @@
             </a:pPr>
             <a:r>
               <a:rPr lang="en-US" dirty="0"/>
-              <a:t>D</a:t>
+              <a:t>Normal computing errors (extra spaces, misspelled names, </a:t>
+            </a:r>
+            <a:r>
+              <a:rPr lang="en-US" dirty="0" err="1"/>
+              <a:t>etc</a:t>
+            </a:r>
+            <a:r>
+              <a:rPr lang="en-US" dirty="0"/>
+              <a:t>)</a:t>
             </a:r>
           </a:p>
         </p:txBody>

--- a/reports/interim_presentation.pptx
+++ b/reports/interim_presentation.pptx
@@ -17,9 +17,9 @@
     <p:sldId id="837" r:id="rId5"/>
     <p:sldId id="834" r:id="rId6"/>
     <p:sldId id="839" r:id="rId7"/>
-    <p:sldId id="841" r:id="rId8"/>
-    <p:sldId id="829" r:id="rId9"/>
-    <p:sldId id="840" r:id="rId10"/>
+    <p:sldId id="842" r:id="rId8"/>
+    <p:sldId id="841" r:id="rId9"/>
+    <p:sldId id="829" r:id="rId10"/>
   </p:sldIdLst>
   <p:sldSz cx="9144000" cy="6858000" type="screen4x3"/>
   <p:notesSz cx="6858000" cy="9144000"/>
@@ -220,7 +220,7 @@
             <a:fld id="{E5464711-9C73-8241-AFB0-128EB3AE6A12}" type="datetimeFigureOut">
               <a:rPr lang="en-US" smtClean="0"/>
               <a:pPr/>
-              <a:t>7/21/21</a:t>
+              <a:t>7/26/21</a:t>
             </a:fld>
             <a:endParaRPr lang="en-US"/>
           </a:p>
@@ -388,7 +388,7 @@
             <a:fld id="{CA421C01-ED30-CC41-8E5D-CA0F5115E72D}" type="datetimeFigureOut">
               <a:rPr lang="en-US" smtClean="0"/>
               <a:pPr/>
-              <a:t>7/21/21</a:t>
+              <a:t>7/26/21</a:t>
             </a:fld>
             <a:endParaRPr lang="en-US"/>
           </a:p>
@@ -1271,30 +1271,13 @@
           <a:bodyPr/>
           <a:lstStyle/>
           <a:p>
-            <a:r>
-              <a:rPr lang="en-US"/>
-              <a:t>Network graph - </a:t>
-            </a:r>
+            <a:pPr marL="0" indent="0">
+              <a:buFont typeface="Arial" panose="020B0604020202020204" pitchFamily="34" charset="0"/>
+              <a:buNone/>
+            </a:pPr>
             <a:r>
               <a:rPr lang="en-US" dirty="0"/>
-              <a:t>f</a:t>
-            </a:r>
-            <a:r>
-              <a:rPr lang="en-US"/>
-              <a:t>unnel </a:t>
-            </a:r>
-            <a:r>
-              <a:rPr lang="en-US" dirty="0"/>
-              <a:t>and sub-funnel structure</a:t>
-            </a:r>
-          </a:p>
-          <a:p>
-            <a:endParaRPr lang="en-US" dirty="0"/>
-          </a:p>
-          <a:p>
-            <a:r>
-              <a:rPr lang="en-US" dirty="0"/>
-              <a:t>Explain what a node and edge are</a:t>
+              <a:t>So the way I analyzed the data is through adjacency lists like this one, here’s what the structure looks</a:t>
             </a:r>
           </a:p>
         </p:txBody>
@@ -1326,7 +1309,7 @@
     </p:spTree>
     <p:extLst>
       <p:ext uri="{BB962C8B-B14F-4D97-AF65-F5344CB8AC3E}">
-        <p14:creationId xmlns:p14="http://schemas.microsoft.com/office/powerpoint/2010/main" val="1515404932"/>
+        <p14:creationId xmlns:p14="http://schemas.microsoft.com/office/powerpoint/2010/main" val="1257845604"/>
       </p:ext>
     </p:extLst>
   </p:cSld>
@@ -1381,8 +1364,29 @@
           <a:lstStyle/>
           <a:p>
             <a:r>
+              <a:rPr lang="en-US"/>
+              <a:t>Network graph - </a:t>
+            </a:r>
+            <a:r>
               <a:rPr lang="en-US" dirty="0"/>
-              <a:t>So without further ado….</a:t>
+              <a:t>f</a:t>
+            </a:r>
+            <a:r>
+              <a:rPr lang="en-US"/>
+              <a:t>unnel </a:t>
+            </a:r>
+            <a:r>
+              <a:rPr lang="en-US" dirty="0"/>
+              <a:t>and sub-funnel structure</a:t>
+            </a:r>
+          </a:p>
+          <a:p>
+            <a:endParaRPr lang="en-US" dirty="0"/>
+          </a:p>
+          <a:p>
+            <a:r>
+              <a:rPr lang="en-US" dirty="0"/>
+              <a:t>Explain what a node and edge are</a:t>
             </a:r>
           </a:p>
         </p:txBody>
@@ -1414,7 +1418,7 @@
     </p:spTree>
     <p:extLst>
       <p:ext uri="{BB962C8B-B14F-4D97-AF65-F5344CB8AC3E}">
-        <p14:creationId xmlns:p14="http://schemas.microsoft.com/office/powerpoint/2010/main" val="154240555"/>
+        <p14:creationId xmlns:p14="http://schemas.microsoft.com/office/powerpoint/2010/main" val="1515404932"/>
       </p:ext>
     </p:extLst>
   </p:cSld>
@@ -1468,6 +1472,19 @@
           <a:bodyPr/>
           <a:lstStyle/>
           <a:p>
+            <a:r>
+              <a:rPr lang="en-US" dirty="0"/>
+              <a:t>So without further ado….</a:t>
+            </a:r>
+          </a:p>
+          <a:p>
+            <a:endParaRPr lang="en-US" dirty="0"/>
+          </a:p>
+          <a:p>
+            <a:r>
+              <a:rPr lang="en-US"/>
+              <a:t>(open HTML)</a:t>
+            </a:r>
             <a:endParaRPr lang="en-US" dirty="0"/>
           </a:p>
         </p:txBody>
@@ -1499,7 +1516,7 @@
     </p:spTree>
     <p:extLst>
       <p:ext uri="{BB962C8B-B14F-4D97-AF65-F5344CB8AC3E}">
-        <p14:creationId xmlns:p14="http://schemas.microsoft.com/office/powerpoint/2010/main" val="3821631095"/>
+        <p14:creationId xmlns:p14="http://schemas.microsoft.com/office/powerpoint/2010/main" val="154240555"/>
       </p:ext>
     </p:extLst>
   </p:cSld>
@@ -5741,8 +5758,8 @@
           <p:nvPr/>
         </p:nvSpPr>
         <p:spPr>
-          <a:xfrm>
-            <a:off x="6392612" y="2895600"/>
+          <a:xfrm rot="849364">
+            <a:off x="6322300" y="2906254"/>
             <a:ext cx="457200" cy="2980471"/>
           </a:xfrm>
           <a:prstGeom prst="rightBrace">
@@ -5995,7 +6012,7 @@
           <p:nvPr/>
         </p:nvSpPr>
         <p:spPr>
-          <a:xfrm rot="10800000">
+          <a:xfrm rot="9930425">
             <a:off x="2354103" y="2895600"/>
             <a:ext cx="457200" cy="2980471"/>
           </a:xfrm>
@@ -6564,6 +6581,672 @@
           <p:cNvPr id="2" name="Title 1">
             <a:extLst>
               <a:ext uri="{FF2B5EF4-FFF2-40B4-BE49-F238E27FC236}">
+                <a16:creationId xmlns:a16="http://schemas.microsoft.com/office/drawing/2014/main" id="{FD1D3045-FB77-0B42-AB48-E9BBE193076A}"/>
+              </a:ext>
+            </a:extLst>
+          </p:cNvPr>
+          <p:cNvSpPr>
+            <a:spLocks noGrp="1"/>
+          </p:cNvSpPr>
+          <p:nvPr>
+            <p:ph type="title"/>
+          </p:nvPr>
+        </p:nvSpPr>
+        <p:spPr>
+          <a:xfrm>
+            <a:off x="457200" y="300785"/>
+            <a:ext cx="8244048" cy="902412"/>
+          </a:xfrm>
+        </p:spPr>
+        <p:txBody>
+          <a:bodyPr/>
+          <a:lstStyle/>
+          <a:p>
+            <a:r>
+              <a:rPr lang="en-US" dirty="0"/>
+              <a:t>Adjacency</a:t>
+            </a:r>
+          </a:p>
+        </p:txBody>
+      </p:sp>
+      <p:sp>
+        <p:nvSpPr>
+          <p:cNvPr id="4" name="Slide Number Placeholder 3">
+            <a:extLst>
+              <a:ext uri="{FF2B5EF4-FFF2-40B4-BE49-F238E27FC236}">
+                <a16:creationId xmlns:a16="http://schemas.microsoft.com/office/drawing/2014/main" id="{5341FE1B-C3BE-8A42-8CC0-A79A703A1BC4}"/>
+              </a:ext>
+            </a:extLst>
+          </p:cNvPr>
+          <p:cNvSpPr>
+            <a:spLocks noGrp="1"/>
+          </p:cNvSpPr>
+          <p:nvPr>
+            <p:ph type="sldNum" sz="quarter" idx="4"/>
+          </p:nvPr>
+        </p:nvSpPr>
+        <p:spPr/>
+        <p:txBody>
+          <a:bodyPr/>
+          <a:lstStyle/>
+          <a:p>
+            <a:fld id="{42765631-169E-4944-BFFC-C229B4B1B06E}" type="slidenum">
+              <a:rPr lang="en-US" smtClean="0"/>
+              <a:pPr/>
+              <a:t>7</a:t>
+            </a:fld>
+            <a:endParaRPr lang="en-US" dirty="0"/>
+          </a:p>
+        </p:txBody>
+      </p:sp>
+      <p:sp>
+        <p:nvSpPr>
+          <p:cNvPr id="5" name="Rectangle 4">
+            <a:extLst>
+              <a:ext uri="{FF2B5EF4-FFF2-40B4-BE49-F238E27FC236}">
+                <a16:creationId xmlns:a16="http://schemas.microsoft.com/office/drawing/2014/main" id="{3CB34F4F-87D5-BF47-BAFF-7250921720B6}"/>
+              </a:ext>
+            </a:extLst>
+          </p:cNvPr>
+          <p:cNvSpPr/>
+          <p:nvPr/>
+        </p:nvSpPr>
+        <p:spPr>
+          <a:xfrm>
+            <a:off x="6096000" y="5876071"/>
+            <a:ext cx="3048000" cy="984537"/>
+          </a:xfrm>
+          <a:prstGeom prst="rect">
+            <a:avLst/>
+          </a:prstGeom>
+          <a:ln>
+            <a:noFill/>
+          </a:ln>
+        </p:spPr>
+        <p:style>
+          <a:lnRef idx="2">
+            <a:schemeClr val="dk1"/>
+          </a:lnRef>
+          <a:fillRef idx="1">
+            <a:schemeClr val="lt1"/>
+          </a:fillRef>
+          <a:effectRef idx="0">
+            <a:schemeClr val="dk1"/>
+          </a:effectRef>
+          <a:fontRef idx="minor">
+            <a:schemeClr val="dk1"/>
+          </a:fontRef>
+        </p:style>
+        <p:txBody>
+          <a:bodyPr rtlCol="0" anchor="ctr"/>
+          <a:lstStyle/>
+          <a:p>
+            <a:pPr algn="ctr"/>
+            <a:endParaRPr lang="en-US"/>
+          </a:p>
+        </p:txBody>
+      </p:sp>
+      <p:pic>
+        <p:nvPicPr>
+          <p:cNvPr id="9" name="Content Placeholder 8" descr="Text&#10;&#10;Description automatically generated">
+            <a:extLst>
+              <a:ext uri="{FF2B5EF4-FFF2-40B4-BE49-F238E27FC236}">
+                <a16:creationId xmlns:a16="http://schemas.microsoft.com/office/drawing/2014/main" id="{82513FFC-2EE8-D54B-AD71-0215DE6BB650}"/>
+              </a:ext>
+            </a:extLst>
+          </p:cNvPr>
+          <p:cNvPicPr>
+            <a:picLocks noGrp="1" noChangeAspect="1"/>
+          </p:cNvPicPr>
+          <p:nvPr>
+            <p:ph idx="1"/>
+          </p:nvPr>
+        </p:nvPicPr>
+        <p:blipFill>
+          <a:blip r:embed="rId3"/>
+          <a:stretch>
+            <a:fillRect/>
+          </a:stretch>
+        </p:blipFill>
+        <p:spPr>
+          <a:xfrm>
+            <a:off x="2142211" y="1299747"/>
+            <a:ext cx="4859575" cy="4787900"/>
+          </a:xfrm>
+        </p:spPr>
+      </p:pic>
+      <p:cxnSp>
+        <p:nvCxnSpPr>
+          <p:cNvPr id="10" name="Straight Arrow Connector 9">
+            <a:extLst>
+              <a:ext uri="{FF2B5EF4-FFF2-40B4-BE49-F238E27FC236}">
+                <a16:creationId xmlns:a16="http://schemas.microsoft.com/office/drawing/2014/main" id="{760561FE-8C4F-564D-AAC2-3710E8D17F87}"/>
+              </a:ext>
+            </a:extLst>
+          </p:cNvPr>
+          <p:cNvCxnSpPr>
+            <a:cxnSpLocks/>
+          </p:cNvCxnSpPr>
+          <p:nvPr/>
+        </p:nvCxnSpPr>
+        <p:spPr>
+          <a:xfrm>
+            <a:off x="1600200" y="1524000"/>
+            <a:ext cx="381000" cy="0"/>
+          </a:xfrm>
+          <a:prstGeom prst="straightConnector1">
+            <a:avLst/>
+          </a:prstGeom>
+          <a:ln>
+            <a:solidFill>
+              <a:srgbClr val="1BBECC"/>
+            </a:solidFill>
+            <a:tailEnd type="triangle"/>
+          </a:ln>
+          <a:effectLst/>
+        </p:spPr>
+        <p:style>
+          <a:lnRef idx="3">
+            <a:schemeClr val="accent6"/>
+          </a:lnRef>
+          <a:fillRef idx="0">
+            <a:schemeClr val="accent6"/>
+          </a:fillRef>
+          <a:effectRef idx="2">
+            <a:schemeClr val="accent6"/>
+          </a:effectRef>
+          <a:fontRef idx="minor">
+            <a:schemeClr val="tx1"/>
+          </a:fontRef>
+        </p:style>
+      </p:cxnSp>
+      <p:sp>
+        <p:nvSpPr>
+          <p:cNvPr id="12" name="Content Placeholder 3">
+            <a:extLst>
+              <a:ext uri="{FF2B5EF4-FFF2-40B4-BE49-F238E27FC236}">
+                <a16:creationId xmlns:a16="http://schemas.microsoft.com/office/drawing/2014/main" id="{0F1E68D1-DBF0-5746-9C94-092C51956E02}"/>
+              </a:ext>
+            </a:extLst>
+          </p:cNvPr>
+          <p:cNvSpPr txBox="1">
+            <a:spLocks/>
+          </p:cNvSpPr>
+          <p:nvPr/>
+        </p:nvSpPr>
+        <p:spPr>
+          <a:xfrm>
+            <a:off x="457200" y="1144906"/>
+            <a:ext cx="1292811" cy="758188"/>
+          </a:xfrm>
+          <a:prstGeom prst="rect">
+            <a:avLst/>
+          </a:prstGeom>
+        </p:spPr>
+        <p:txBody>
+          <a:bodyPr vert="horz" lIns="91440" tIns="45720" rIns="91440" bIns="45720" rtlCol="0">
+            <a:normAutofit/>
+          </a:bodyPr>
+          <a:lstStyle>
+            <a:lvl1pPr marL="342900" indent="-342900" algn="l" defTabSz="457200" rtl="0" eaLnBrk="1" latinLnBrk="0" hangingPunct="1">
+              <a:spcBef>
+                <a:spcPct val="20000"/>
+              </a:spcBef>
+              <a:buClr>
+                <a:srgbClr val="440079"/>
+              </a:buClr>
+              <a:buSzPct val="66000"/>
+              <a:buFont typeface="Wingdings" charset="2"/>
+              <a:buChar char="u"/>
+              <a:defRPr sz="2800" b="0" i="0" kern="1200">
+                <a:solidFill>
+                  <a:srgbClr val="999999"/>
+                </a:solidFill>
+                <a:latin typeface="Gotham Book" pitchFamily="2" charset="0"/>
+                <a:ea typeface="+mn-ea"/>
+                <a:cs typeface="Gotham Book" pitchFamily="2" charset="0"/>
+              </a:defRPr>
+            </a:lvl1pPr>
+            <a:lvl2pPr marL="742950" indent="-285750" algn="l" defTabSz="457200" rtl="0" eaLnBrk="1" latinLnBrk="0" hangingPunct="1">
+              <a:spcBef>
+                <a:spcPct val="20000"/>
+              </a:spcBef>
+              <a:buClr>
+                <a:srgbClr val="440079"/>
+              </a:buClr>
+              <a:buSzPct val="66000"/>
+              <a:buFont typeface="Wingdings" charset="2"/>
+              <a:buChar char="u"/>
+              <a:defRPr sz="2400" b="0" i="0" kern="1200">
+                <a:solidFill>
+                  <a:srgbClr val="999999"/>
+                </a:solidFill>
+                <a:latin typeface="Gotham Book" pitchFamily="2" charset="0"/>
+                <a:ea typeface="+mn-ea"/>
+                <a:cs typeface="Gotham Book" pitchFamily="2" charset="0"/>
+              </a:defRPr>
+            </a:lvl2pPr>
+            <a:lvl3pPr marL="1143000" indent="-228600" algn="l" defTabSz="457200" rtl="0" eaLnBrk="1" latinLnBrk="0" hangingPunct="1">
+              <a:spcBef>
+                <a:spcPct val="20000"/>
+              </a:spcBef>
+              <a:buClr>
+                <a:srgbClr val="440079"/>
+              </a:buClr>
+              <a:buSzPct val="66000"/>
+              <a:buFont typeface="Wingdings" charset="2"/>
+              <a:buChar char="u"/>
+              <a:defRPr sz="2000" b="0" i="0" kern="1200">
+                <a:solidFill>
+                  <a:srgbClr val="999999"/>
+                </a:solidFill>
+                <a:latin typeface="Gotham Book" pitchFamily="2" charset="0"/>
+                <a:ea typeface="+mn-ea"/>
+                <a:cs typeface="Gotham Book" pitchFamily="2" charset="0"/>
+              </a:defRPr>
+            </a:lvl3pPr>
+            <a:lvl4pPr marL="1600200" indent="-228600" algn="l" defTabSz="457200" rtl="0" eaLnBrk="1" latinLnBrk="0" hangingPunct="1">
+              <a:spcBef>
+                <a:spcPct val="20000"/>
+              </a:spcBef>
+              <a:buClr>
+                <a:srgbClr val="440079"/>
+              </a:buClr>
+              <a:buSzPct val="66000"/>
+              <a:buFont typeface="Wingdings" charset="2"/>
+              <a:buChar char="u"/>
+              <a:defRPr sz="1800" b="0" i="0" kern="1200">
+                <a:solidFill>
+                  <a:srgbClr val="999999"/>
+                </a:solidFill>
+                <a:latin typeface="Gotham Book" pitchFamily="2" charset="0"/>
+                <a:ea typeface="+mn-ea"/>
+                <a:cs typeface="Gotham Book" pitchFamily="2" charset="0"/>
+              </a:defRPr>
+            </a:lvl4pPr>
+            <a:lvl5pPr marL="2057400" indent="-228600" algn="l" defTabSz="457200" rtl="0" eaLnBrk="1" latinLnBrk="0" hangingPunct="1">
+              <a:spcBef>
+                <a:spcPct val="20000"/>
+              </a:spcBef>
+              <a:buClr>
+                <a:srgbClr val="4C1966"/>
+              </a:buClr>
+              <a:buFont typeface="Wingdings" charset="2"/>
+              <a:buChar char="§"/>
+              <a:defRPr sz="1800" b="0" i="0" kern="1200">
+                <a:solidFill>
+                  <a:schemeClr val="tx1"/>
+                </a:solidFill>
+                <a:latin typeface="Fugue"/>
+                <a:ea typeface="+mn-ea"/>
+                <a:cs typeface="Fugue"/>
+              </a:defRPr>
+            </a:lvl5pPr>
+            <a:lvl6pPr marL="2514600" indent="-228600" algn="l" defTabSz="457200" rtl="0" eaLnBrk="1" latinLnBrk="0" hangingPunct="1">
+              <a:spcBef>
+                <a:spcPct val="20000"/>
+              </a:spcBef>
+              <a:buFont typeface="Arial"/>
+              <a:buChar char="•"/>
+              <a:defRPr sz="1800" kern="1200">
+                <a:solidFill>
+                  <a:schemeClr val="tx1"/>
+                </a:solidFill>
+                <a:latin typeface="+mn-lt"/>
+                <a:ea typeface="+mn-ea"/>
+                <a:cs typeface="+mn-cs"/>
+              </a:defRPr>
+            </a:lvl6pPr>
+            <a:lvl7pPr marL="2971800" indent="-228600" algn="l" defTabSz="457200" rtl="0" eaLnBrk="1" latinLnBrk="0" hangingPunct="1">
+              <a:spcBef>
+                <a:spcPct val="20000"/>
+              </a:spcBef>
+              <a:buFont typeface="Arial"/>
+              <a:buChar char="•"/>
+              <a:defRPr sz="1800" kern="1200">
+                <a:solidFill>
+                  <a:schemeClr val="tx1"/>
+                </a:solidFill>
+                <a:latin typeface="+mn-lt"/>
+                <a:ea typeface="+mn-ea"/>
+                <a:cs typeface="+mn-cs"/>
+              </a:defRPr>
+            </a:lvl7pPr>
+            <a:lvl8pPr marL="3429000" indent="-228600" algn="l" defTabSz="457200" rtl="0" eaLnBrk="1" latinLnBrk="0" hangingPunct="1">
+              <a:spcBef>
+                <a:spcPct val="20000"/>
+              </a:spcBef>
+              <a:buFont typeface="Arial"/>
+              <a:buChar char="•"/>
+              <a:defRPr sz="1800" kern="1200">
+                <a:solidFill>
+                  <a:schemeClr val="tx1"/>
+                </a:solidFill>
+                <a:latin typeface="+mn-lt"/>
+                <a:ea typeface="+mn-ea"/>
+                <a:cs typeface="+mn-cs"/>
+              </a:defRPr>
+            </a:lvl8pPr>
+            <a:lvl9pPr marL="3886200" indent="-228600" algn="l" defTabSz="457200" rtl="0" eaLnBrk="1" latinLnBrk="0" hangingPunct="1">
+              <a:spcBef>
+                <a:spcPct val="20000"/>
+              </a:spcBef>
+              <a:buFont typeface="Arial"/>
+              <a:buChar char="•"/>
+              <a:defRPr sz="1800" kern="1200">
+                <a:solidFill>
+                  <a:schemeClr val="tx1"/>
+                </a:solidFill>
+                <a:latin typeface="+mn-lt"/>
+                <a:ea typeface="+mn-ea"/>
+                <a:cs typeface="+mn-cs"/>
+              </a:defRPr>
+            </a:lvl9pPr>
+          </a:lstStyle>
+          <a:p>
+            <a:pPr marL="0" indent="0">
+              <a:lnSpc>
+                <a:spcPct val="200000"/>
+              </a:lnSpc>
+              <a:buFont typeface="Wingdings" charset="2"/>
+              <a:buNone/>
+            </a:pPr>
+            <a:r>
+              <a:rPr lang="en-US" sz="1800" dirty="0"/>
+              <a:t>Header</a:t>
+            </a:r>
+          </a:p>
+        </p:txBody>
+      </p:sp>
+      <p:sp>
+        <p:nvSpPr>
+          <p:cNvPr id="13" name="Right Brace 12">
+            <a:extLst>
+              <a:ext uri="{FF2B5EF4-FFF2-40B4-BE49-F238E27FC236}">
+                <a16:creationId xmlns:a16="http://schemas.microsoft.com/office/drawing/2014/main" id="{C349D2BD-2CCC-074A-9048-2BB4FD768C2D}"/>
+              </a:ext>
+            </a:extLst>
+          </p:cNvPr>
+          <p:cNvSpPr/>
+          <p:nvPr/>
+        </p:nvSpPr>
+        <p:spPr>
+          <a:xfrm>
+            <a:off x="6593122" y="1744247"/>
+            <a:ext cx="457200" cy="4343400"/>
+          </a:xfrm>
+          <a:prstGeom prst="rightBrace">
+            <a:avLst/>
+          </a:prstGeom>
+          <a:ln>
+            <a:solidFill>
+              <a:srgbClr val="1BBECC"/>
+            </a:solidFill>
+          </a:ln>
+          <a:effectLst>
+            <a:outerShdw blurRad="40000" dist="20000" dir="5400000" rotWithShape="0">
+              <a:schemeClr val="bg1">
+                <a:alpha val="38000"/>
+              </a:schemeClr>
+            </a:outerShdw>
+          </a:effectLst>
+        </p:spPr>
+        <p:style>
+          <a:lnRef idx="2">
+            <a:schemeClr val="accent1"/>
+          </a:lnRef>
+          <a:fillRef idx="0">
+            <a:schemeClr val="accent1"/>
+          </a:fillRef>
+          <a:effectRef idx="1">
+            <a:schemeClr val="accent1"/>
+          </a:effectRef>
+          <a:fontRef idx="minor">
+            <a:schemeClr val="tx1"/>
+          </a:fontRef>
+        </p:style>
+        <p:txBody>
+          <a:bodyPr rtlCol="0" anchor="ctr"/>
+          <a:lstStyle/>
+          <a:p>
+            <a:pPr algn="ctr"/>
+            <a:endParaRPr lang="en-US"/>
+          </a:p>
+        </p:txBody>
+      </p:sp>
+      <p:sp>
+        <p:nvSpPr>
+          <p:cNvPr id="15" name="Content Placeholder 3">
+            <a:extLst>
+              <a:ext uri="{FF2B5EF4-FFF2-40B4-BE49-F238E27FC236}">
+                <a16:creationId xmlns:a16="http://schemas.microsoft.com/office/drawing/2014/main" id="{D7447AEA-BBC4-0B4E-A9B9-9ECC03DFD11F}"/>
+              </a:ext>
+            </a:extLst>
+          </p:cNvPr>
+          <p:cNvSpPr txBox="1">
+            <a:spLocks/>
+          </p:cNvSpPr>
+          <p:nvPr/>
+        </p:nvSpPr>
+        <p:spPr>
+          <a:xfrm>
+            <a:off x="7199986" y="3536853"/>
+            <a:ext cx="1639214" cy="758188"/>
+          </a:xfrm>
+          <a:prstGeom prst="rect">
+            <a:avLst/>
+          </a:prstGeom>
+        </p:spPr>
+        <p:txBody>
+          <a:bodyPr vert="horz" lIns="91440" tIns="45720" rIns="91440" bIns="45720" rtlCol="0">
+            <a:normAutofit fontScale="92500"/>
+          </a:bodyPr>
+          <a:lstStyle>
+            <a:lvl1pPr marL="342900" indent="-342900" algn="l" defTabSz="457200" rtl="0" eaLnBrk="1" latinLnBrk="0" hangingPunct="1">
+              <a:spcBef>
+                <a:spcPct val="20000"/>
+              </a:spcBef>
+              <a:buClr>
+                <a:srgbClr val="440079"/>
+              </a:buClr>
+              <a:buSzPct val="66000"/>
+              <a:buFont typeface="Wingdings" charset="2"/>
+              <a:buChar char="u"/>
+              <a:defRPr sz="2800" b="0" i="0" kern="1200">
+                <a:solidFill>
+                  <a:srgbClr val="999999"/>
+                </a:solidFill>
+                <a:latin typeface="Gotham Book" pitchFamily="2" charset="0"/>
+                <a:ea typeface="+mn-ea"/>
+                <a:cs typeface="Gotham Book" pitchFamily="2" charset="0"/>
+              </a:defRPr>
+            </a:lvl1pPr>
+            <a:lvl2pPr marL="742950" indent="-285750" algn="l" defTabSz="457200" rtl="0" eaLnBrk="1" latinLnBrk="0" hangingPunct="1">
+              <a:spcBef>
+                <a:spcPct val="20000"/>
+              </a:spcBef>
+              <a:buClr>
+                <a:srgbClr val="440079"/>
+              </a:buClr>
+              <a:buSzPct val="66000"/>
+              <a:buFont typeface="Wingdings" charset="2"/>
+              <a:buChar char="u"/>
+              <a:defRPr sz="2400" b="0" i="0" kern="1200">
+                <a:solidFill>
+                  <a:srgbClr val="999999"/>
+                </a:solidFill>
+                <a:latin typeface="Gotham Book" pitchFamily="2" charset="0"/>
+                <a:ea typeface="+mn-ea"/>
+                <a:cs typeface="Gotham Book" pitchFamily="2" charset="0"/>
+              </a:defRPr>
+            </a:lvl2pPr>
+            <a:lvl3pPr marL="1143000" indent="-228600" algn="l" defTabSz="457200" rtl="0" eaLnBrk="1" latinLnBrk="0" hangingPunct="1">
+              <a:spcBef>
+                <a:spcPct val="20000"/>
+              </a:spcBef>
+              <a:buClr>
+                <a:srgbClr val="440079"/>
+              </a:buClr>
+              <a:buSzPct val="66000"/>
+              <a:buFont typeface="Wingdings" charset="2"/>
+              <a:buChar char="u"/>
+              <a:defRPr sz="2000" b="0" i="0" kern="1200">
+                <a:solidFill>
+                  <a:srgbClr val="999999"/>
+                </a:solidFill>
+                <a:latin typeface="Gotham Book" pitchFamily="2" charset="0"/>
+                <a:ea typeface="+mn-ea"/>
+                <a:cs typeface="Gotham Book" pitchFamily="2" charset="0"/>
+              </a:defRPr>
+            </a:lvl3pPr>
+            <a:lvl4pPr marL="1600200" indent="-228600" algn="l" defTabSz="457200" rtl="0" eaLnBrk="1" latinLnBrk="0" hangingPunct="1">
+              <a:spcBef>
+                <a:spcPct val="20000"/>
+              </a:spcBef>
+              <a:buClr>
+                <a:srgbClr val="440079"/>
+              </a:buClr>
+              <a:buSzPct val="66000"/>
+              <a:buFont typeface="Wingdings" charset="2"/>
+              <a:buChar char="u"/>
+              <a:defRPr sz="1800" b="0" i="0" kern="1200">
+                <a:solidFill>
+                  <a:srgbClr val="999999"/>
+                </a:solidFill>
+                <a:latin typeface="Gotham Book" pitchFamily="2" charset="0"/>
+                <a:ea typeface="+mn-ea"/>
+                <a:cs typeface="Gotham Book" pitchFamily="2" charset="0"/>
+              </a:defRPr>
+            </a:lvl4pPr>
+            <a:lvl5pPr marL="2057400" indent="-228600" algn="l" defTabSz="457200" rtl="0" eaLnBrk="1" latinLnBrk="0" hangingPunct="1">
+              <a:spcBef>
+                <a:spcPct val="20000"/>
+              </a:spcBef>
+              <a:buClr>
+                <a:srgbClr val="4C1966"/>
+              </a:buClr>
+              <a:buFont typeface="Wingdings" charset="2"/>
+              <a:buChar char="§"/>
+              <a:defRPr sz="1800" b="0" i="0" kern="1200">
+                <a:solidFill>
+                  <a:schemeClr val="tx1"/>
+                </a:solidFill>
+                <a:latin typeface="Fugue"/>
+                <a:ea typeface="+mn-ea"/>
+                <a:cs typeface="Fugue"/>
+              </a:defRPr>
+            </a:lvl5pPr>
+            <a:lvl6pPr marL="2514600" indent="-228600" algn="l" defTabSz="457200" rtl="0" eaLnBrk="1" latinLnBrk="0" hangingPunct="1">
+              <a:spcBef>
+                <a:spcPct val="20000"/>
+              </a:spcBef>
+              <a:buFont typeface="Arial"/>
+              <a:buChar char="•"/>
+              <a:defRPr sz="1800" kern="1200">
+                <a:solidFill>
+                  <a:schemeClr val="tx1"/>
+                </a:solidFill>
+                <a:latin typeface="+mn-lt"/>
+                <a:ea typeface="+mn-ea"/>
+                <a:cs typeface="+mn-cs"/>
+              </a:defRPr>
+            </a:lvl6pPr>
+            <a:lvl7pPr marL="2971800" indent="-228600" algn="l" defTabSz="457200" rtl="0" eaLnBrk="1" latinLnBrk="0" hangingPunct="1">
+              <a:spcBef>
+                <a:spcPct val="20000"/>
+              </a:spcBef>
+              <a:buFont typeface="Arial"/>
+              <a:buChar char="•"/>
+              <a:defRPr sz="1800" kern="1200">
+                <a:solidFill>
+                  <a:schemeClr val="tx1"/>
+                </a:solidFill>
+                <a:latin typeface="+mn-lt"/>
+                <a:ea typeface="+mn-ea"/>
+                <a:cs typeface="+mn-cs"/>
+              </a:defRPr>
+            </a:lvl7pPr>
+            <a:lvl8pPr marL="3429000" indent="-228600" algn="l" defTabSz="457200" rtl="0" eaLnBrk="1" latinLnBrk="0" hangingPunct="1">
+              <a:spcBef>
+                <a:spcPct val="20000"/>
+              </a:spcBef>
+              <a:buFont typeface="Arial"/>
+              <a:buChar char="•"/>
+              <a:defRPr sz="1800" kern="1200">
+                <a:solidFill>
+                  <a:schemeClr val="tx1"/>
+                </a:solidFill>
+                <a:latin typeface="+mn-lt"/>
+                <a:ea typeface="+mn-ea"/>
+                <a:cs typeface="+mn-cs"/>
+              </a:defRPr>
+            </a:lvl8pPr>
+            <a:lvl9pPr marL="3886200" indent="-228600" algn="l" defTabSz="457200" rtl="0" eaLnBrk="1" latinLnBrk="0" hangingPunct="1">
+              <a:spcBef>
+                <a:spcPct val="20000"/>
+              </a:spcBef>
+              <a:buFont typeface="Arial"/>
+              <a:buChar char="•"/>
+              <a:defRPr sz="1800" kern="1200">
+                <a:solidFill>
+                  <a:schemeClr val="tx1"/>
+                </a:solidFill>
+                <a:latin typeface="+mn-lt"/>
+                <a:ea typeface="+mn-ea"/>
+                <a:cs typeface="+mn-cs"/>
+              </a:defRPr>
+            </a:lvl9pPr>
+          </a:lstStyle>
+          <a:p>
+            <a:pPr marL="0" indent="0">
+              <a:lnSpc>
+                <a:spcPct val="200000"/>
+              </a:lnSpc>
+              <a:buFont typeface="Wingdings" charset="2"/>
+              <a:buNone/>
+            </a:pPr>
+            <a:r>
+              <a:rPr lang="en-US" sz="1800" dirty="0"/>
+              <a:t>Relationships</a:t>
+            </a:r>
+          </a:p>
+        </p:txBody>
+      </p:sp>
+    </p:spTree>
+    <p:extLst>
+      <p:ext uri="{BB962C8B-B14F-4D97-AF65-F5344CB8AC3E}">
+        <p14:creationId xmlns:p14="http://schemas.microsoft.com/office/powerpoint/2010/main" val="608949284"/>
+      </p:ext>
+    </p:extLst>
+  </p:cSld>
+  <p:clrMapOvr>
+    <a:masterClrMapping/>
+  </p:clrMapOvr>
+</p:sld>
+</file>
+
+<file path=ppt/slides/slide8.xml><?xml version="1.0" encoding="utf-8"?>
+<p:sld xmlns:a="http://schemas.openxmlformats.org/drawingml/2006/main" xmlns:r="http://schemas.openxmlformats.org/officeDocument/2006/relationships" xmlns:p="http://schemas.openxmlformats.org/presentationml/2006/main">
+  <p:cSld>
+    <p:spTree>
+      <p:nvGrpSpPr>
+        <p:cNvPr id="1" name=""/>
+        <p:cNvGrpSpPr/>
+        <p:nvPr/>
+      </p:nvGrpSpPr>
+      <p:grpSpPr>
+        <a:xfrm>
+          <a:off x="0" y="0"/>
+          <a:ext cx="0" cy="0"/>
+          <a:chOff x="0" y="0"/>
+          <a:chExt cx="0" cy="0"/>
+        </a:xfrm>
+      </p:grpSpPr>
+      <p:sp>
+        <p:nvSpPr>
+          <p:cNvPr id="2" name="Title 1">
+            <a:extLst>
+              <a:ext uri="{FF2B5EF4-FFF2-40B4-BE49-F238E27FC236}">
                 <a16:creationId xmlns:a16="http://schemas.microsoft.com/office/drawing/2014/main" id="{FAF0F146-921A-1348-AD6A-931078FDC9DB}"/>
               </a:ext>
             </a:extLst>
@@ -6611,7 +7294,7 @@
             <a:fld id="{42765631-169E-4944-BFFC-C229B4B1B06E}" type="slidenum">
               <a:rPr lang="en-US" smtClean="0"/>
               <a:pPr/>
-              <a:t>7</a:t>
+              <a:t>8</a:t>
             </a:fld>
             <a:endParaRPr lang="en-US" dirty="0"/>
           </a:p>
@@ -7436,7 +8119,7 @@
 </p:sld>
 </file>
 
-<file path=ppt/slides/slide8.xml><?xml version="1.0" encoding="utf-8"?>
+<file path=ppt/slides/slide9.xml><?xml version="1.0" encoding="utf-8"?>
 <p:sld xmlns:a="http://schemas.openxmlformats.org/drawingml/2006/main" xmlns:r="http://schemas.openxmlformats.org/officeDocument/2006/relationships" xmlns:p="http://schemas.openxmlformats.org/presentationml/2006/main">
   <p:cSld>
     <p:spTree>
@@ -7476,7 +8159,7 @@
           <a:p>
             <a:r>
               <a:rPr lang="en-US" sz="7200" dirty="0"/>
-              <a:t>People</a:t>
+              <a:t>Graphs</a:t>
             </a:r>
           </a:p>
         </p:txBody>
@@ -7505,7 +8188,7 @@
             <a:fld id="{42765631-169E-4944-BFFC-C229B4B1B06E}" type="slidenum">
               <a:rPr lang="en-US" smtClean="0"/>
               <a:pPr/>
-              <a:t>8</a:t>
+              <a:t>9</a:t>
             </a:fld>
             <a:endParaRPr lang="en-US" dirty="0"/>
           </a:p>
@@ -7562,141 +8245,6 @@
     <p:extLst>
       <p:ext uri="{BB962C8B-B14F-4D97-AF65-F5344CB8AC3E}">
         <p14:creationId xmlns:p14="http://schemas.microsoft.com/office/powerpoint/2010/main" val="2430230254"/>
-      </p:ext>
-    </p:extLst>
-  </p:cSld>
-  <p:clrMapOvr>
-    <a:masterClrMapping/>
-  </p:clrMapOvr>
-</p:sld>
-</file>
-
-<file path=ppt/slides/slide9.xml><?xml version="1.0" encoding="utf-8"?>
-<p:sld xmlns:a="http://schemas.openxmlformats.org/drawingml/2006/main" xmlns:r="http://schemas.openxmlformats.org/officeDocument/2006/relationships" xmlns:p="http://schemas.openxmlformats.org/presentationml/2006/main">
-  <p:cSld>
-    <p:spTree>
-      <p:nvGrpSpPr>
-        <p:cNvPr id="1" name=""/>
-        <p:cNvGrpSpPr/>
-        <p:nvPr/>
-      </p:nvGrpSpPr>
-      <p:grpSpPr>
-        <a:xfrm>
-          <a:off x="0" y="0"/>
-          <a:ext cx="0" cy="0"/>
-          <a:chOff x="0" y="0"/>
-          <a:chExt cx="0" cy="0"/>
-        </a:xfrm>
-      </p:grpSpPr>
-      <p:sp>
-        <p:nvSpPr>
-          <p:cNvPr id="2" name="Title 1">
-            <a:extLst>
-              <a:ext uri="{FF2B5EF4-FFF2-40B4-BE49-F238E27FC236}">
-                <a16:creationId xmlns:a16="http://schemas.microsoft.com/office/drawing/2014/main" id="{F00A0201-D2C7-2C41-8BA7-4025A812C5D9}"/>
-              </a:ext>
-            </a:extLst>
-          </p:cNvPr>
-          <p:cNvSpPr>
-            <a:spLocks noGrp="1"/>
-          </p:cNvSpPr>
-          <p:nvPr>
-            <p:ph type="ctrTitle"/>
-          </p:nvPr>
-        </p:nvSpPr>
-        <p:spPr/>
-        <p:txBody>
-          <a:bodyPr anchor="b"/>
-          <a:lstStyle/>
-          <a:p>
-            <a:r>
-              <a:rPr lang="en-US" sz="7200" dirty="0"/>
-              <a:t>Teams</a:t>
-            </a:r>
-          </a:p>
-        </p:txBody>
-      </p:sp>
-      <p:sp>
-        <p:nvSpPr>
-          <p:cNvPr id="4" name="Slide Number Placeholder 3">
-            <a:extLst>
-              <a:ext uri="{FF2B5EF4-FFF2-40B4-BE49-F238E27FC236}">
-                <a16:creationId xmlns:a16="http://schemas.microsoft.com/office/drawing/2014/main" id="{F299CB5B-DE3B-5F47-9BBA-50D2811D634F}"/>
-              </a:ext>
-            </a:extLst>
-          </p:cNvPr>
-          <p:cNvSpPr>
-            <a:spLocks noGrp="1"/>
-          </p:cNvSpPr>
-          <p:nvPr>
-            <p:ph type="sldNum" sz="quarter" idx="4"/>
-          </p:nvPr>
-        </p:nvSpPr>
-        <p:spPr/>
-        <p:txBody>
-          <a:bodyPr/>
-          <a:lstStyle/>
-          <a:p>
-            <a:fld id="{42765631-169E-4944-BFFC-C229B4B1B06E}" type="slidenum">
-              <a:rPr lang="en-US" smtClean="0"/>
-              <a:pPr/>
-              <a:t>9</a:t>
-            </a:fld>
-            <a:endParaRPr lang="en-US" dirty="0"/>
-          </a:p>
-        </p:txBody>
-      </p:sp>
-      <p:sp>
-        <p:nvSpPr>
-          <p:cNvPr id="6" name="Rectangle 5">
-            <a:extLst>
-              <a:ext uri="{FF2B5EF4-FFF2-40B4-BE49-F238E27FC236}">
-                <a16:creationId xmlns:a16="http://schemas.microsoft.com/office/drawing/2014/main" id="{3CCABF11-E25D-164D-A3F7-B2F35333D5DE}"/>
-              </a:ext>
-            </a:extLst>
-          </p:cNvPr>
-          <p:cNvSpPr/>
-          <p:nvPr/>
-        </p:nvSpPr>
-        <p:spPr>
-          <a:xfrm>
-            <a:off x="6096000" y="5876071"/>
-            <a:ext cx="3048000" cy="984537"/>
-          </a:xfrm>
-          <a:prstGeom prst="rect">
-            <a:avLst/>
-          </a:prstGeom>
-          <a:ln>
-            <a:noFill/>
-          </a:ln>
-        </p:spPr>
-        <p:style>
-          <a:lnRef idx="2">
-            <a:schemeClr val="dk1"/>
-          </a:lnRef>
-          <a:fillRef idx="1">
-            <a:schemeClr val="lt1"/>
-          </a:fillRef>
-          <a:effectRef idx="0">
-            <a:schemeClr val="dk1"/>
-          </a:effectRef>
-          <a:fontRef idx="minor">
-            <a:schemeClr val="dk1"/>
-          </a:fontRef>
-        </p:style>
-        <p:txBody>
-          <a:bodyPr rtlCol="0" anchor="ctr"/>
-          <a:lstStyle/>
-          <a:p>
-            <a:pPr algn="ctr"/>
-            <a:endParaRPr lang="en-US"/>
-          </a:p>
-        </p:txBody>
-      </p:sp>
-    </p:spTree>
-    <p:extLst>
-      <p:ext uri="{BB962C8B-B14F-4D97-AF65-F5344CB8AC3E}">
-        <p14:creationId xmlns:p14="http://schemas.microsoft.com/office/powerpoint/2010/main" val="3555857713"/>
       </p:ext>
     </p:extLst>
   </p:cSld>

--- a/reports/interim_presentation.pptx
+++ b/reports/interim_presentation.pptx
@@ -5,10 +5,10 @@
     <p:sldMasterId id="2147483679" r:id="rId1"/>
   </p:sldMasterIdLst>
   <p:notesMasterIdLst>
-    <p:notesMasterId r:id="rId11"/>
+    <p:notesMasterId r:id="rId16"/>
   </p:notesMasterIdLst>
   <p:handoutMasterIdLst>
-    <p:handoutMasterId r:id="rId12"/>
+    <p:handoutMasterId r:id="rId17"/>
   </p:handoutMasterIdLst>
   <p:sldIdLst>
     <p:sldId id="827" r:id="rId2"/>
@@ -17,9 +17,14 @@
     <p:sldId id="837" r:id="rId5"/>
     <p:sldId id="834" r:id="rId6"/>
     <p:sldId id="839" r:id="rId7"/>
-    <p:sldId id="842" r:id="rId8"/>
-    <p:sldId id="841" r:id="rId9"/>
-    <p:sldId id="829" r:id="rId10"/>
+    <p:sldId id="848" r:id="rId8"/>
+    <p:sldId id="829" r:id="rId9"/>
+    <p:sldId id="847" r:id="rId10"/>
+    <p:sldId id="843" r:id="rId11"/>
+    <p:sldId id="844" r:id="rId12"/>
+    <p:sldId id="846" r:id="rId13"/>
+    <p:sldId id="845" r:id="rId14"/>
+    <p:sldId id="842" r:id="rId15"/>
   </p:sldIdLst>
   <p:sldSz cx="9144000" cy="6858000" type="screen4x3"/>
   <p:notesSz cx="6858000" cy="9144000"/>
@@ -220,7 +225,7 @@
             <a:fld id="{E5464711-9C73-8241-AFB0-128EB3AE6A12}" type="datetimeFigureOut">
               <a:rPr lang="en-US" smtClean="0"/>
               <a:pPr/>
-              <a:t>7/26/21</a:t>
+              <a:t>7/27/21</a:t>
             </a:fld>
             <a:endParaRPr lang="en-US"/>
           </a:p>
@@ -388,7 +393,7 @@
             <a:fld id="{CA421C01-ED30-CC41-8E5D-CA0F5115E72D}" type="datetimeFigureOut">
               <a:rPr lang="en-US" smtClean="0"/>
               <a:pPr/>
-              <a:t>7/26/21</a:t>
+              <a:t>7/27/21</a:t>
             </a:fld>
             <a:endParaRPr lang="en-US"/>
           </a:p>
@@ -747,6 +752,459 @@
 </p:notes>
 </file>
 
+<file path=ppt/notesSlides/notesSlide10.xml><?xml version="1.0" encoding="utf-8"?>
+<p:notes xmlns:a="http://schemas.openxmlformats.org/drawingml/2006/main" xmlns:r="http://schemas.openxmlformats.org/officeDocument/2006/relationships" xmlns:p="http://schemas.openxmlformats.org/presentationml/2006/main">
+  <p:cSld>
+    <p:spTree>
+      <p:nvGrpSpPr>
+        <p:cNvPr id="1" name=""/>
+        <p:cNvGrpSpPr/>
+        <p:nvPr/>
+      </p:nvGrpSpPr>
+      <p:grpSpPr>
+        <a:xfrm>
+          <a:off x="0" y="0"/>
+          <a:ext cx="0" cy="0"/>
+          <a:chOff x="0" y="0"/>
+          <a:chExt cx="0" cy="0"/>
+        </a:xfrm>
+      </p:grpSpPr>
+      <p:sp>
+        <p:nvSpPr>
+          <p:cNvPr id="2" name="Slide Image Placeholder 1"/>
+          <p:cNvSpPr>
+            <a:spLocks noGrp="1" noRot="1" noChangeAspect="1"/>
+          </p:cNvSpPr>
+          <p:nvPr>
+            <p:ph type="sldImg"/>
+          </p:nvPr>
+        </p:nvSpPr>
+        <p:spPr/>
+      </p:sp>
+      <p:sp>
+        <p:nvSpPr>
+          <p:cNvPr id="3" name="Notes Placeholder 2"/>
+          <p:cNvSpPr>
+            <a:spLocks noGrp="1"/>
+          </p:cNvSpPr>
+          <p:nvPr>
+            <p:ph type="body" idx="1"/>
+          </p:nvPr>
+        </p:nvSpPr>
+        <p:spPr/>
+        <p:txBody>
+          <a:bodyPr/>
+          <a:lstStyle/>
+          <a:p>
+            <a:pPr marL="0" indent="0">
+              <a:buFont typeface="Arial" panose="020B0604020202020204" pitchFamily="34" charset="0"/>
+              <a:buNone/>
+            </a:pPr>
+            <a:endParaRPr lang="en-US" dirty="0"/>
+          </a:p>
+        </p:txBody>
+      </p:sp>
+      <p:sp>
+        <p:nvSpPr>
+          <p:cNvPr id="4" name="Slide Number Placeholder 3"/>
+          <p:cNvSpPr>
+            <a:spLocks noGrp="1"/>
+          </p:cNvSpPr>
+          <p:nvPr>
+            <p:ph type="sldNum" sz="quarter" idx="5"/>
+          </p:nvPr>
+        </p:nvSpPr>
+        <p:spPr/>
+        <p:txBody>
+          <a:bodyPr/>
+          <a:lstStyle/>
+          <a:p>
+            <a:fld id="{5CA7D5F5-1991-BC4D-A4B8-5C402A6EABF3}" type="slidenum">
+              <a:rPr lang="en-US" smtClean="0"/>
+              <a:pPr/>
+              <a:t>10</a:t>
+            </a:fld>
+            <a:endParaRPr lang="en-US"/>
+          </a:p>
+        </p:txBody>
+      </p:sp>
+    </p:spTree>
+    <p:extLst>
+      <p:ext uri="{BB962C8B-B14F-4D97-AF65-F5344CB8AC3E}">
+        <p14:creationId xmlns:p14="http://schemas.microsoft.com/office/powerpoint/2010/main" val="3498272737"/>
+      </p:ext>
+    </p:extLst>
+  </p:cSld>
+  <p:clrMapOvr>
+    <a:masterClrMapping/>
+  </p:clrMapOvr>
+</p:notes>
+</file>
+
+<file path=ppt/notesSlides/notesSlide11.xml><?xml version="1.0" encoding="utf-8"?>
+<p:notes xmlns:a="http://schemas.openxmlformats.org/drawingml/2006/main" xmlns:r="http://schemas.openxmlformats.org/officeDocument/2006/relationships" xmlns:p="http://schemas.openxmlformats.org/presentationml/2006/main">
+  <p:cSld>
+    <p:spTree>
+      <p:nvGrpSpPr>
+        <p:cNvPr id="1" name=""/>
+        <p:cNvGrpSpPr/>
+        <p:nvPr/>
+      </p:nvGrpSpPr>
+      <p:grpSpPr>
+        <a:xfrm>
+          <a:off x="0" y="0"/>
+          <a:ext cx="0" cy="0"/>
+          <a:chOff x="0" y="0"/>
+          <a:chExt cx="0" cy="0"/>
+        </a:xfrm>
+      </p:grpSpPr>
+      <p:sp>
+        <p:nvSpPr>
+          <p:cNvPr id="2" name="Slide Image Placeholder 1"/>
+          <p:cNvSpPr>
+            <a:spLocks noGrp="1" noRot="1" noChangeAspect="1"/>
+          </p:cNvSpPr>
+          <p:nvPr>
+            <p:ph type="sldImg"/>
+          </p:nvPr>
+        </p:nvSpPr>
+        <p:spPr/>
+      </p:sp>
+      <p:sp>
+        <p:nvSpPr>
+          <p:cNvPr id="3" name="Notes Placeholder 2"/>
+          <p:cNvSpPr>
+            <a:spLocks noGrp="1"/>
+          </p:cNvSpPr>
+          <p:nvPr>
+            <p:ph type="body" idx="1"/>
+          </p:nvPr>
+        </p:nvSpPr>
+        <p:spPr/>
+        <p:txBody>
+          <a:bodyPr/>
+          <a:lstStyle/>
+          <a:p>
+            <a:pPr marL="0" indent="0">
+              <a:buFont typeface="Arial" panose="020B0604020202020204" pitchFamily="34" charset="0"/>
+              <a:buNone/>
+            </a:pPr>
+            <a:r>
+              <a:rPr lang="en-US" dirty="0"/>
+              <a:t>Compound ethnicity example – white Hispanic vs. Latinx vs. Black Hispanic. I’m sure everyone knows the relative ins and outs of diversity, but in terms of calculation, it just is very hard to pinpoint the perfect way to do this</a:t>
+            </a:r>
+          </a:p>
+        </p:txBody>
+      </p:sp>
+      <p:sp>
+        <p:nvSpPr>
+          <p:cNvPr id="4" name="Slide Number Placeholder 3"/>
+          <p:cNvSpPr>
+            <a:spLocks noGrp="1"/>
+          </p:cNvSpPr>
+          <p:nvPr>
+            <p:ph type="sldNum" sz="quarter" idx="5"/>
+          </p:nvPr>
+        </p:nvSpPr>
+        <p:spPr/>
+        <p:txBody>
+          <a:bodyPr/>
+          <a:lstStyle/>
+          <a:p>
+            <a:fld id="{5CA7D5F5-1991-BC4D-A4B8-5C402A6EABF3}" type="slidenum">
+              <a:rPr lang="en-US" smtClean="0"/>
+              <a:pPr/>
+              <a:t>11</a:t>
+            </a:fld>
+            <a:endParaRPr lang="en-US"/>
+          </a:p>
+        </p:txBody>
+      </p:sp>
+    </p:spTree>
+    <p:extLst>
+      <p:ext uri="{BB962C8B-B14F-4D97-AF65-F5344CB8AC3E}">
+        <p14:creationId xmlns:p14="http://schemas.microsoft.com/office/powerpoint/2010/main" val="4275093387"/>
+      </p:ext>
+    </p:extLst>
+  </p:cSld>
+  <p:clrMapOvr>
+    <a:masterClrMapping/>
+  </p:clrMapOvr>
+</p:notes>
+</file>
+
+<file path=ppt/notesSlides/notesSlide12.xml><?xml version="1.0" encoding="utf-8"?>
+<p:notes xmlns:a="http://schemas.openxmlformats.org/drawingml/2006/main" xmlns:r="http://schemas.openxmlformats.org/officeDocument/2006/relationships" xmlns:p="http://schemas.openxmlformats.org/presentationml/2006/main">
+  <p:cSld>
+    <p:spTree>
+      <p:nvGrpSpPr>
+        <p:cNvPr id="1" name=""/>
+        <p:cNvGrpSpPr/>
+        <p:nvPr/>
+      </p:nvGrpSpPr>
+      <p:grpSpPr>
+        <a:xfrm>
+          <a:off x="0" y="0"/>
+          <a:ext cx="0" cy="0"/>
+          <a:chOff x="0" y="0"/>
+          <a:chExt cx="0" cy="0"/>
+        </a:xfrm>
+      </p:grpSpPr>
+      <p:sp>
+        <p:nvSpPr>
+          <p:cNvPr id="2" name="Slide Image Placeholder 1"/>
+          <p:cNvSpPr>
+            <a:spLocks noGrp="1" noRot="1" noChangeAspect="1"/>
+          </p:cNvSpPr>
+          <p:nvPr>
+            <p:ph type="sldImg"/>
+          </p:nvPr>
+        </p:nvSpPr>
+        <p:spPr/>
+      </p:sp>
+      <p:sp>
+        <p:nvSpPr>
+          <p:cNvPr id="3" name="Notes Placeholder 2"/>
+          <p:cNvSpPr>
+            <a:spLocks noGrp="1"/>
+          </p:cNvSpPr>
+          <p:nvPr>
+            <p:ph type="body" idx="1"/>
+          </p:nvPr>
+        </p:nvSpPr>
+        <p:spPr/>
+        <p:txBody>
+          <a:bodyPr/>
+          <a:lstStyle/>
+          <a:p>
+            <a:pPr marL="0" indent="0">
+              <a:buFont typeface="Arial" panose="020B0604020202020204" pitchFamily="34" charset="0"/>
+              <a:buNone/>
+            </a:pPr>
+            <a:r>
+              <a:rPr lang="en-US" dirty="0"/>
+              <a:t>Cute anecdote for avoiding self description – someone listed themselves as “left-handed” on one of the applications for the summer programs, it’s things like that to avoid. Not only can I not analyze written text, people are just inclined to include wrong or irrelevant information.</a:t>
+            </a:r>
+          </a:p>
+        </p:txBody>
+      </p:sp>
+      <p:sp>
+        <p:nvSpPr>
+          <p:cNvPr id="4" name="Slide Number Placeholder 3"/>
+          <p:cNvSpPr>
+            <a:spLocks noGrp="1"/>
+          </p:cNvSpPr>
+          <p:nvPr>
+            <p:ph type="sldNum" sz="quarter" idx="5"/>
+          </p:nvPr>
+        </p:nvSpPr>
+        <p:spPr/>
+        <p:txBody>
+          <a:bodyPr/>
+          <a:lstStyle/>
+          <a:p>
+            <a:fld id="{5CA7D5F5-1991-BC4D-A4B8-5C402A6EABF3}" type="slidenum">
+              <a:rPr lang="en-US" smtClean="0"/>
+              <a:pPr/>
+              <a:t>12</a:t>
+            </a:fld>
+            <a:endParaRPr lang="en-US"/>
+          </a:p>
+        </p:txBody>
+      </p:sp>
+    </p:spTree>
+    <p:extLst>
+      <p:ext uri="{BB962C8B-B14F-4D97-AF65-F5344CB8AC3E}">
+        <p14:creationId xmlns:p14="http://schemas.microsoft.com/office/powerpoint/2010/main" val="4263530886"/>
+      </p:ext>
+    </p:extLst>
+  </p:cSld>
+  <p:clrMapOvr>
+    <a:masterClrMapping/>
+  </p:clrMapOvr>
+</p:notes>
+</file>
+
+<file path=ppt/notesSlides/notesSlide13.xml><?xml version="1.0" encoding="utf-8"?>
+<p:notes xmlns:a="http://schemas.openxmlformats.org/drawingml/2006/main" xmlns:r="http://schemas.openxmlformats.org/officeDocument/2006/relationships" xmlns:p="http://schemas.openxmlformats.org/presentationml/2006/main">
+  <p:cSld>
+    <p:spTree>
+      <p:nvGrpSpPr>
+        <p:cNvPr id="1" name=""/>
+        <p:cNvGrpSpPr/>
+        <p:nvPr/>
+      </p:nvGrpSpPr>
+      <p:grpSpPr>
+        <a:xfrm>
+          <a:off x="0" y="0"/>
+          <a:ext cx="0" cy="0"/>
+          <a:chOff x="0" y="0"/>
+          <a:chExt cx="0" cy="0"/>
+        </a:xfrm>
+      </p:grpSpPr>
+      <p:sp>
+        <p:nvSpPr>
+          <p:cNvPr id="2" name="Slide Image Placeholder 1"/>
+          <p:cNvSpPr>
+            <a:spLocks noGrp="1" noRot="1" noChangeAspect="1"/>
+          </p:cNvSpPr>
+          <p:nvPr>
+            <p:ph type="sldImg"/>
+          </p:nvPr>
+        </p:nvSpPr>
+        <p:spPr/>
+      </p:sp>
+      <p:sp>
+        <p:nvSpPr>
+          <p:cNvPr id="3" name="Notes Placeholder 2"/>
+          <p:cNvSpPr>
+            <a:spLocks noGrp="1"/>
+          </p:cNvSpPr>
+          <p:nvPr>
+            <p:ph type="body" idx="1"/>
+          </p:nvPr>
+        </p:nvSpPr>
+        <p:spPr/>
+        <p:txBody>
+          <a:bodyPr/>
+          <a:lstStyle/>
+          <a:p>
+            <a:r>
+              <a:rPr lang="en-US" dirty="0"/>
+              <a:t>If necessary</a:t>
+            </a:r>
+          </a:p>
+        </p:txBody>
+      </p:sp>
+      <p:sp>
+        <p:nvSpPr>
+          <p:cNvPr id="4" name="Slide Number Placeholder 3"/>
+          <p:cNvSpPr>
+            <a:spLocks noGrp="1"/>
+          </p:cNvSpPr>
+          <p:nvPr>
+            <p:ph type="sldNum" sz="quarter" idx="5"/>
+          </p:nvPr>
+        </p:nvSpPr>
+        <p:spPr/>
+        <p:txBody>
+          <a:bodyPr/>
+          <a:lstStyle/>
+          <a:p>
+            <a:fld id="{5CA7D5F5-1991-BC4D-A4B8-5C402A6EABF3}" type="slidenum">
+              <a:rPr lang="en-US" smtClean="0"/>
+              <a:pPr/>
+              <a:t>13</a:t>
+            </a:fld>
+            <a:endParaRPr lang="en-US"/>
+          </a:p>
+        </p:txBody>
+      </p:sp>
+    </p:spTree>
+    <p:extLst>
+      <p:ext uri="{BB962C8B-B14F-4D97-AF65-F5344CB8AC3E}">
+        <p14:creationId xmlns:p14="http://schemas.microsoft.com/office/powerpoint/2010/main" val="4212200521"/>
+      </p:ext>
+    </p:extLst>
+  </p:cSld>
+  <p:clrMapOvr>
+    <a:masterClrMapping/>
+  </p:clrMapOvr>
+</p:notes>
+</file>
+
+<file path=ppt/notesSlides/notesSlide14.xml><?xml version="1.0" encoding="utf-8"?>
+<p:notes xmlns:a="http://schemas.openxmlformats.org/drawingml/2006/main" xmlns:r="http://schemas.openxmlformats.org/officeDocument/2006/relationships" xmlns:p="http://schemas.openxmlformats.org/presentationml/2006/main">
+  <p:cSld>
+    <p:spTree>
+      <p:nvGrpSpPr>
+        <p:cNvPr id="1" name=""/>
+        <p:cNvGrpSpPr/>
+        <p:nvPr/>
+      </p:nvGrpSpPr>
+      <p:grpSpPr>
+        <a:xfrm>
+          <a:off x="0" y="0"/>
+          <a:ext cx="0" cy="0"/>
+          <a:chOff x="0" y="0"/>
+          <a:chExt cx="0" cy="0"/>
+        </a:xfrm>
+      </p:grpSpPr>
+      <p:sp>
+        <p:nvSpPr>
+          <p:cNvPr id="2" name="Slide Image Placeholder 1"/>
+          <p:cNvSpPr>
+            <a:spLocks noGrp="1" noRot="1" noChangeAspect="1"/>
+          </p:cNvSpPr>
+          <p:nvPr>
+            <p:ph type="sldImg"/>
+          </p:nvPr>
+        </p:nvSpPr>
+        <p:spPr/>
+      </p:sp>
+      <p:sp>
+        <p:nvSpPr>
+          <p:cNvPr id="3" name="Notes Placeholder 2"/>
+          <p:cNvSpPr>
+            <a:spLocks noGrp="1"/>
+          </p:cNvSpPr>
+          <p:nvPr>
+            <p:ph type="body" idx="1"/>
+          </p:nvPr>
+        </p:nvSpPr>
+        <p:spPr/>
+        <p:txBody>
+          <a:bodyPr/>
+          <a:lstStyle/>
+          <a:p>
+            <a:pPr marL="0" indent="0">
+              <a:buFont typeface="Arial" panose="020B0604020202020204" pitchFamily="34" charset="0"/>
+              <a:buNone/>
+            </a:pPr>
+            <a:r>
+              <a:rPr lang="en-US" dirty="0"/>
+              <a:t>So the way I analyzed the data is through adjacency lists like this one, here’s what the structure looks</a:t>
+            </a:r>
+          </a:p>
+        </p:txBody>
+      </p:sp>
+      <p:sp>
+        <p:nvSpPr>
+          <p:cNvPr id="4" name="Slide Number Placeholder 3"/>
+          <p:cNvSpPr>
+            <a:spLocks noGrp="1"/>
+          </p:cNvSpPr>
+          <p:nvPr>
+            <p:ph type="sldNum" sz="quarter" idx="5"/>
+          </p:nvPr>
+        </p:nvSpPr>
+        <p:spPr/>
+        <p:txBody>
+          <a:bodyPr/>
+          <a:lstStyle/>
+          <a:p>
+            <a:fld id="{5CA7D5F5-1991-BC4D-A4B8-5C402A6EABF3}" type="slidenum">
+              <a:rPr lang="en-US" smtClean="0"/>
+              <a:pPr/>
+              <a:t>14</a:t>
+            </a:fld>
+            <a:endParaRPr lang="en-US"/>
+          </a:p>
+        </p:txBody>
+      </p:sp>
+    </p:spTree>
+    <p:extLst>
+      <p:ext uri="{BB962C8B-B14F-4D97-AF65-F5344CB8AC3E}">
+        <p14:creationId xmlns:p14="http://schemas.microsoft.com/office/powerpoint/2010/main" val="1257845604"/>
+      </p:ext>
+    </p:extLst>
+  </p:cSld>
+  <p:clrMapOvr>
+    <a:masterClrMapping/>
+  </p:clrMapOvr>
+</p:notes>
+</file>
+
 <file path=ppt/notesSlides/notesSlide2.xml><?xml version="1.0" encoding="utf-8"?>
 <p:notes xmlns:a="http://schemas.openxmlformats.org/drawingml/2006/main" xmlns:r="http://schemas.openxmlformats.org/officeDocument/2006/relationships" xmlns:p="http://schemas.openxmlformats.org/presentationml/2006/main">
   <p:cSld>
@@ -1271,13 +1729,30 @@
           <a:bodyPr/>
           <a:lstStyle/>
           <a:p>
-            <a:pPr marL="0" indent="0">
-              <a:buFont typeface="Arial" panose="020B0604020202020204" pitchFamily="34" charset="0"/>
-              <a:buNone/>
-            </a:pPr>
+            <a:r>
+              <a:rPr lang="en-US"/>
+              <a:t>Network graph - </a:t>
+            </a:r>
             <a:r>
               <a:rPr lang="en-US" dirty="0"/>
-              <a:t>So the way I analyzed the data is through adjacency lists like this one, here’s what the structure looks</a:t>
+              <a:t>f</a:t>
+            </a:r>
+            <a:r>
+              <a:rPr lang="en-US"/>
+              <a:t>unnel </a:t>
+            </a:r>
+            <a:r>
+              <a:rPr lang="en-US" dirty="0"/>
+              <a:t>and sub-funnel structure</a:t>
+            </a:r>
+          </a:p>
+          <a:p>
+            <a:endParaRPr lang="en-US" dirty="0"/>
+          </a:p>
+          <a:p>
+            <a:r>
+              <a:rPr lang="en-US" dirty="0"/>
+              <a:t>Explain what a node and edge are</a:t>
             </a:r>
           </a:p>
         </p:txBody>
@@ -1309,7 +1784,7 @@
     </p:spTree>
     <p:extLst>
       <p:ext uri="{BB962C8B-B14F-4D97-AF65-F5344CB8AC3E}">
-        <p14:creationId xmlns:p14="http://schemas.microsoft.com/office/powerpoint/2010/main" val="1257845604"/>
+        <p14:creationId xmlns:p14="http://schemas.microsoft.com/office/powerpoint/2010/main" val="3435249918"/>
       </p:ext>
     </p:extLst>
   </p:cSld>
@@ -1364,30 +1839,19 @@
           <a:lstStyle/>
           <a:p>
             <a:r>
+              <a:rPr lang="en-US" dirty="0"/>
+              <a:t>So without further ado….</a:t>
+            </a:r>
+          </a:p>
+          <a:p>
+            <a:endParaRPr lang="en-US" dirty="0"/>
+          </a:p>
+          <a:p>
+            <a:r>
               <a:rPr lang="en-US"/>
-              <a:t>Network graph - </a:t>
-            </a:r>
-            <a:r>
-              <a:rPr lang="en-US" dirty="0"/>
-              <a:t>f</a:t>
-            </a:r>
-            <a:r>
-              <a:rPr lang="en-US"/>
-              <a:t>unnel </a:t>
-            </a:r>
-            <a:r>
-              <a:rPr lang="en-US" dirty="0"/>
-              <a:t>and sub-funnel structure</a:t>
-            </a:r>
-          </a:p>
-          <a:p>
+              <a:t>(open HTML)</a:t>
+            </a:r>
             <a:endParaRPr lang="en-US" dirty="0"/>
-          </a:p>
-          <a:p>
-            <a:r>
-              <a:rPr lang="en-US" dirty="0"/>
-              <a:t>Explain what a node and edge are</a:t>
-            </a:r>
           </a:p>
         </p:txBody>
       </p:sp>
@@ -1418,7 +1882,7 @@
     </p:spTree>
     <p:extLst>
       <p:ext uri="{BB962C8B-B14F-4D97-AF65-F5344CB8AC3E}">
-        <p14:creationId xmlns:p14="http://schemas.microsoft.com/office/powerpoint/2010/main" val="1515404932"/>
+        <p14:creationId xmlns:p14="http://schemas.microsoft.com/office/powerpoint/2010/main" val="154240555"/>
       </p:ext>
     </p:extLst>
   </p:cSld>
@@ -1474,18 +1938,8 @@
           <a:p>
             <a:r>
               <a:rPr lang="en-US" dirty="0"/>
-              <a:t>So without further ado….</a:t>
-            </a:r>
-          </a:p>
-          <a:p>
-            <a:endParaRPr lang="en-US" dirty="0"/>
-          </a:p>
-          <a:p>
-            <a:r>
-              <a:rPr lang="en-US"/>
-              <a:t>(open HTML)</a:t>
-            </a:r>
-            <a:endParaRPr lang="en-US" dirty="0"/>
+              <a:t>Some analysis</a:t>
+            </a:r>
           </a:p>
         </p:txBody>
       </p:sp>
@@ -1516,7 +1970,7 @@
     </p:spTree>
     <p:extLst>
       <p:ext uri="{BB962C8B-B14F-4D97-AF65-F5344CB8AC3E}">
-        <p14:creationId xmlns:p14="http://schemas.microsoft.com/office/powerpoint/2010/main" val="154240555"/>
+        <p14:creationId xmlns:p14="http://schemas.microsoft.com/office/powerpoint/2010/main" val="1553046326"/>
       </p:ext>
     </p:extLst>
   </p:cSld>
@@ -4716,6 +5170,1504 @@
 </p:sld>
 </file>
 
+<file path=ppt/slides/slide10.xml><?xml version="1.0" encoding="utf-8"?>
+<p:sld xmlns:a="http://schemas.openxmlformats.org/drawingml/2006/main" xmlns:r="http://schemas.openxmlformats.org/officeDocument/2006/relationships" xmlns:p="http://schemas.openxmlformats.org/presentationml/2006/main">
+  <p:cSld>
+    <p:spTree>
+      <p:nvGrpSpPr>
+        <p:cNvPr id="1" name=""/>
+        <p:cNvGrpSpPr/>
+        <p:nvPr/>
+      </p:nvGrpSpPr>
+      <p:grpSpPr>
+        <a:xfrm>
+          <a:off x="0" y="0"/>
+          <a:ext cx="0" cy="0"/>
+          <a:chOff x="0" y="0"/>
+          <a:chExt cx="0" cy="0"/>
+        </a:xfrm>
+      </p:grpSpPr>
+      <p:sp>
+        <p:nvSpPr>
+          <p:cNvPr id="2" name="Title 1">
+            <a:extLst>
+              <a:ext uri="{FF2B5EF4-FFF2-40B4-BE49-F238E27FC236}">
+                <a16:creationId xmlns:a16="http://schemas.microsoft.com/office/drawing/2014/main" id="{FD1D3045-FB77-0B42-AB48-E9BBE193076A}"/>
+              </a:ext>
+            </a:extLst>
+          </p:cNvPr>
+          <p:cNvSpPr>
+            <a:spLocks noGrp="1"/>
+          </p:cNvSpPr>
+          <p:nvPr>
+            <p:ph type="title"/>
+          </p:nvPr>
+        </p:nvSpPr>
+        <p:spPr>
+          <a:xfrm>
+            <a:off x="457200" y="300785"/>
+            <a:ext cx="8244048" cy="902412"/>
+          </a:xfrm>
+        </p:spPr>
+        <p:txBody>
+          <a:bodyPr/>
+          <a:lstStyle/>
+          <a:p>
+            <a:r>
+              <a:rPr lang="en-US" dirty="0"/>
+              <a:t>Most Interesting Findings</a:t>
+            </a:r>
+          </a:p>
+        </p:txBody>
+      </p:sp>
+      <p:sp>
+        <p:nvSpPr>
+          <p:cNvPr id="3" name="Content Placeholder 2">
+            <a:extLst>
+              <a:ext uri="{FF2B5EF4-FFF2-40B4-BE49-F238E27FC236}">
+                <a16:creationId xmlns:a16="http://schemas.microsoft.com/office/drawing/2014/main" id="{41EC0A76-14E2-A747-91E2-B6AF55A9151B}"/>
+              </a:ext>
+            </a:extLst>
+          </p:cNvPr>
+          <p:cNvSpPr>
+            <a:spLocks noGrp="1"/>
+          </p:cNvSpPr>
+          <p:nvPr>
+            <p:ph idx="1"/>
+          </p:nvPr>
+        </p:nvSpPr>
+        <p:spPr/>
+        <p:txBody>
+          <a:bodyPr>
+            <a:normAutofit fontScale="92500"/>
+          </a:bodyPr>
+          <a:lstStyle/>
+          <a:p>
+            <a:pPr>
+              <a:lnSpc>
+                <a:spcPct val="200000"/>
+              </a:lnSpc>
+            </a:pPr>
+            <a:r>
+              <a:rPr lang="en-US" sz="2000" dirty="0"/>
+              <a:t>HTSAS is really achieving the most immersion into other programs!</a:t>
+            </a:r>
+          </a:p>
+          <a:p>
+            <a:pPr>
+              <a:lnSpc>
+                <a:spcPct val="200000"/>
+              </a:lnSpc>
+            </a:pPr>
+            <a:r>
+              <a:rPr lang="en-US" sz="2000" dirty="0"/>
+              <a:t>Coaching doesn’t interact as much as we thought – even though we coach sub-funnel teams, most coaching isn’t interacting</a:t>
+            </a:r>
+          </a:p>
+          <a:p>
+            <a:pPr>
+              <a:lnSpc>
+                <a:spcPct val="200000"/>
+              </a:lnSpc>
+            </a:pPr>
+            <a:r>
+              <a:rPr lang="en-US" sz="2000" dirty="0"/>
+              <a:t>SS and FF engaged more and more each year – whatever we’re doing is working (keep pushing programs!)</a:t>
+            </a:r>
+          </a:p>
+          <a:p>
+            <a:pPr>
+              <a:lnSpc>
+                <a:spcPct val="200000"/>
+              </a:lnSpc>
+            </a:pPr>
+            <a:r>
+              <a:rPr lang="en-US" sz="2000" dirty="0"/>
+              <a:t>Sub-funnel behaves the way hypothesized – by level of intensity</a:t>
+            </a:r>
+          </a:p>
+        </p:txBody>
+      </p:sp>
+      <p:sp>
+        <p:nvSpPr>
+          <p:cNvPr id="4" name="Slide Number Placeholder 3">
+            <a:extLst>
+              <a:ext uri="{FF2B5EF4-FFF2-40B4-BE49-F238E27FC236}">
+                <a16:creationId xmlns:a16="http://schemas.microsoft.com/office/drawing/2014/main" id="{5341FE1B-C3BE-8A42-8CC0-A79A703A1BC4}"/>
+              </a:ext>
+            </a:extLst>
+          </p:cNvPr>
+          <p:cNvSpPr>
+            <a:spLocks noGrp="1"/>
+          </p:cNvSpPr>
+          <p:nvPr>
+            <p:ph type="sldNum" sz="quarter" idx="4"/>
+          </p:nvPr>
+        </p:nvSpPr>
+        <p:spPr/>
+        <p:txBody>
+          <a:bodyPr/>
+          <a:lstStyle/>
+          <a:p>
+            <a:fld id="{42765631-169E-4944-BFFC-C229B4B1B06E}" type="slidenum">
+              <a:rPr lang="en-US" smtClean="0"/>
+              <a:pPr/>
+              <a:t>10</a:t>
+            </a:fld>
+            <a:endParaRPr lang="en-US" dirty="0"/>
+          </a:p>
+        </p:txBody>
+      </p:sp>
+      <p:sp>
+        <p:nvSpPr>
+          <p:cNvPr id="5" name="Rectangle 4">
+            <a:extLst>
+              <a:ext uri="{FF2B5EF4-FFF2-40B4-BE49-F238E27FC236}">
+                <a16:creationId xmlns:a16="http://schemas.microsoft.com/office/drawing/2014/main" id="{3CB34F4F-87D5-BF47-BAFF-7250921720B6}"/>
+              </a:ext>
+            </a:extLst>
+          </p:cNvPr>
+          <p:cNvSpPr/>
+          <p:nvPr/>
+        </p:nvSpPr>
+        <p:spPr>
+          <a:xfrm>
+            <a:off x="6096000" y="5876071"/>
+            <a:ext cx="3048000" cy="984537"/>
+          </a:xfrm>
+          <a:prstGeom prst="rect">
+            <a:avLst/>
+          </a:prstGeom>
+          <a:ln>
+            <a:noFill/>
+          </a:ln>
+        </p:spPr>
+        <p:style>
+          <a:lnRef idx="2">
+            <a:schemeClr val="dk1"/>
+          </a:lnRef>
+          <a:fillRef idx="1">
+            <a:schemeClr val="lt1"/>
+          </a:fillRef>
+          <a:effectRef idx="0">
+            <a:schemeClr val="dk1"/>
+          </a:effectRef>
+          <a:fontRef idx="minor">
+            <a:schemeClr val="dk1"/>
+          </a:fontRef>
+        </p:style>
+        <p:txBody>
+          <a:bodyPr rtlCol="0" anchor="ctr"/>
+          <a:lstStyle/>
+          <a:p>
+            <a:pPr algn="ctr"/>
+            <a:endParaRPr lang="en-US"/>
+          </a:p>
+        </p:txBody>
+      </p:sp>
+    </p:spTree>
+    <p:extLst>
+      <p:ext uri="{BB962C8B-B14F-4D97-AF65-F5344CB8AC3E}">
+        <p14:creationId xmlns:p14="http://schemas.microsoft.com/office/powerpoint/2010/main" val="1548808965"/>
+      </p:ext>
+    </p:extLst>
+  </p:cSld>
+  <p:clrMapOvr>
+    <a:masterClrMapping/>
+  </p:clrMapOvr>
+</p:sld>
+</file>
+
+<file path=ppt/slides/slide11.xml><?xml version="1.0" encoding="utf-8"?>
+<p:sld xmlns:a="http://schemas.openxmlformats.org/drawingml/2006/main" xmlns:r="http://schemas.openxmlformats.org/officeDocument/2006/relationships" xmlns:p="http://schemas.openxmlformats.org/presentationml/2006/main">
+  <p:cSld>
+    <p:spTree>
+      <p:nvGrpSpPr>
+        <p:cNvPr id="1" name=""/>
+        <p:cNvGrpSpPr/>
+        <p:nvPr/>
+      </p:nvGrpSpPr>
+      <p:grpSpPr>
+        <a:xfrm>
+          <a:off x="0" y="0"/>
+          <a:ext cx="0" cy="0"/>
+          <a:chOff x="0" y="0"/>
+          <a:chExt cx="0" cy="0"/>
+        </a:xfrm>
+      </p:grpSpPr>
+      <p:sp>
+        <p:nvSpPr>
+          <p:cNvPr id="2" name="Title 1">
+            <a:extLst>
+              <a:ext uri="{FF2B5EF4-FFF2-40B4-BE49-F238E27FC236}">
+                <a16:creationId xmlns:a16="http://schemas.microsoft.com/office/drawing/2014/main" id="{FD1D3045-FB77-0B42-AB48-E9BBE193076A}"/>
+              </a:ext>
+            </a:extLst>
+          </p:cNvPr>
+          <p:cNvSpPr>
+            <a:spLocks noGrp="1"/>
+          </p:cNvSpPr>
+          <p:nvPr>
+            <p:ph type="title"/>
+          </p:nvPr>
+        </p:nvSpPr>
+        <p:spPr>
+          <a:xfrm>
+            <a:off x="457200" y="300785"/>
+            <a:ext cx="8244048" cy="902412"/>
+          </a:xfrm>
+        </p:spPr>
+        <p:txBody>
+          <a:bodyPr>
+            <a:normAutofit fontScale="90000"/>
+          </a:bodyPr>
+          <a:lstStyle/>
+          <a:p>
+            <a:r>
+              <a:rPr lang="en-US" dirty="0"/>
+              <a:t>Additional Areas of Exploration</a:t>
+            </a:r>
+          </a:p>
+        </p:txBody>
+      </p:sp>
+      <p:sp>
+        <p:nvSpPr>
+          <p:cNvPr id="3" name="Content Placeholder 2">
+            <a:extLst>
+              <a:ext uri="{FF2B5EF4-FFF2-40B4-BE49-F238E27FC236}">
+                <a16:creationId xmlns:a16="http://schemas.microsoft.com/office/drawing/2014/main" id="{41EC0A76-14E2-A747-91E2-B6AF55A9151B}"/>
+              </a:ext>
+            </a:extLst>
+          </p:cNvPr>
+          <p:cNvSpPr>
+            <a:spLocks noGrp="1"/>
+          </p:cNvSpPr>
+          <p:nvPr>
+            <p:ph idx="1"/>
+          </p:nvPr>
+        </p:nvSpPr>
+        <p:spPr/>
+        <p:txBody>
+          <a:bodyPr>
+            <a:normAutofit/>
+          </a:bodyPr>
+          <a:lstStyle/>
+          <a:p>
+            <a:pPr>
+              <a:lnSpc>
+                <a:spcPct val="200000"/>
+              </a:lnSpc>
+            </a:pPr>
+            <a:r>
+              <a:rPr lang="en-US" sz="2000" dirty="0"/>
+              <a:t>Diversity – very difficult to classify</a:t>
+            </a:r>
+          </a:p>
+          <a:p>
+            <a:pPr lvl="1">
+              <a:lnSpc>
+                <a:spcPct val="200000"/>
+              </a:lnSpc>
+            </a:pPr>
+            <a:r>
+              <a:rPr lang="en-US" sz="1600" dirty="0"/>
+              <a:t>Multiple pronouns / pronoun ambivalence (using multiple sets)</a:t>
+            </a:r>
+          </a:p>
+          <a:p>
+            <a:pPr lvl="1">
+              <a:lnSpc>
+                <a:spcPct val="200000"/>
+              </a:lnSpc>
+            </a:pPr>
+            <a:r>
+              <a:rPr lang="en-US" sz="1600" dirty="0"/>
+              <a:t>Compound ethnicities (bi-racial, multi-racial, international origin, </a:t>
+            </a:r>
+            <a:r>
+              <a:rPr lang="en-US" sz="1600" dirty="0" err="1"/>
+              <a:t>etc</a:t>
+            </a:r>
+            <a:r>
+              <a:rPr lang="en-US" sz="1600" dirty="0"/>
+              <a:t>)</a:t>
+            </a:r>
+            <a:endParaRPr lang="en-US" sz="1200" dirty="0"/>
+          </a:p>
+          <a:p>
+            <a:pPr>
+              <a:lnSpc>
+                <a:spcPct val="200000"/>
+              </a:lnSpc>
+            </a:pPr>
+            <a:r>
+              <a:rPr lang="en-US" sz="2000" dirty="0"/>
+              <a:t>Div. data isn’t available for all programs/years (no consistent picture) – could work on a rough picture of gender</a:t>
+            </a:r>
+          </a:p>
+          <a:p>
+            <a:pPr>
+              <a:lnSpc>
+                <a:spcPct val="200000"/>
+              </a:lnSpc>
+            </a:pPr>
+            <a:r>
+              <a:rPr lang="en-US" sz="2000" dirty="0"/>
+              <a:t>Follow through rates between each program (full funnel or sub funnel)</a:t>
+            </a:r>
+          </a:p>
+        </p:txBody>
+      </p:sp>
+      <p:sp>
+        <p:nvSpPr>
+          <p:cNvPr id="4" name="Slide Number Placeholder 3">
+            <a:extLst>
+              <a:ext uri="{FF2B5EF4-FFF2-40B4-BE49-F238E27FC236}">
+                <a16:creationId xmlns:a16="http://schemas.microsoft.com/office/drawing/2014/main" id="{5341FE1B-C3BE-8A42-8CC0-A79A703A1BC4}"/>
+              </a:ext>
+            </a:extLst>
+          </p:cNvPr>
+          <p:cNvSpPr>
+            <a:spLocks noGrp="1"/>
+          </p:cNvSpPr>
+          <p:nvPr>
+            <p:ph type="sldNum" sz="quarter" idx="4"/>
+          </p:nvPr>
+        </p:nvSpPr>
+        <p:spPr/>
+        <p:txBody>
+          <a:bodyPr/>
+          <a:lstStyle/>
+          <a:p>
+            <a:fld id="{42765631-169E-4944-BFFC-C229B4B1B06E}" type="slidenum">
+              <a:rPr lang="en-US" smtClean="0"/>
+              <a:pPr/>
+              <a:t>11</a:t>
+            </a:fld>
+            <a:endParaRPr lang="en-US" dirty="0"/>
+          </a:p>
+        </p:txBody>
+      </p:sp>
+      <p:sp>
+        <p:nvSpPr>
+          <p:cNvPr id="5" name="Rectangle 4">
+            <a:extLst>
+              <a:ext uri="{FF2B5EF4-FFF2-40B4-BE49-F238E27FC236}">
+                <a16:creationId xmlns:a16="http://schemas.microsoft.com/office/drawing/2014/main" id="{3CB34F4F-87D5-BF47-BAFF-7250921720B6}"/>
+              </a:ext>
+            </a:extLst>
+          </p:cNvPr>
+          <p:cNvSpPr/>
+          <p:nvPr/>
+        </p:nvSpPr>
+        <p:spPr>
+          <a:xfrm>
+            <a:off x="6096000" y="5876071"/>
+            <a:ext cx="3048000" cy="984537"/>
+          </a:xfrm>
+          <a:prstGeom prst="rect">
+            <a:avLst/>
+          </a:prstGeom>
+          <a:ln>
+            <a:noFill/>
+          </a:ln>
+        </p:spPr>
+        <p:style>
+          <a:lnRef idx="2">
+            <a:schemeClr val="dk1"/>
+          </a:lnRef>
+          <a:fillRef idx="1">
+            <a:schemeClr val="lt1"/>
+          </a:fillRef>
+          <a:effectRef idx="0">
+            <a:schemeClr val="dk1"/>
+          </a:effectRef>
+          <a:fontRef idx="minor">
+            <a:schemeClr val="dk1"/>
+          </a:fontRef>
+        </p:style>
+        <p:txBody>
+          <a:bodyPr rtlCol="0" anchor="ctr"/>
+          <a:lstStyle/>
+          <a:p>
+            <a:pPr algn="ctr"/>
+            <a:endParaRPr lang="en-US"/>
+          </a:p>
+        </p:txBody>
+      </p:sp>
+    </p:spTree>
+    <p:extLst>
+      <p:ext uri="{BB962C8B-B14F-4D97-AF65-F5344CB8AC3E}">
+        <p14:creationId xmlns:p14="http://schemas.microsoft.com/office/powerpoint/2010/main" val="1011166393"/>
+      </p:ext>
+    </p:extLst>
+  </p:cSld>
+  <p:clrMapOvr>
+    <a:masterClrMapping/>
+  </p:clrMapOvr>
+</p:sld>
+</file>
+
+<file path=ppt/slides/slide12.xml><?xml version="1.0" encoding="utf-8"?>
+<p:sld xmlns:a="http://schemas.openxmlformats.org/drawingml/2006/main" xmlns:r="http://schemas.openxmlformats.org/officeDocument/2006/relationships" xmlns:p="http://schemas.openxmlformats.org/presentationml/2006/main">
+  <p:cSld>
+    <p:spTree>
+      <p:nvGrpSpPr>
+        <p:cNvPr id="1" name=""/>
+        <p:cNvGrpSpPr/>
+        <p:nvPr/>
+      </p:nvGrpSpPr>
+      <p:grpSpPr>
+        <a:xfrm>
+          <a:off x="0" y="0"/>
+          <a:ext cx="0" cy="0"/>
+          <a:chOff x="0" y="0"/>
+          <a:chExt cx="0" cy="0"/>
+        </a:xfrm>
+      </p:grpSpPr>
+      <p:sp>
+        <p:nvSpPr>
+          <p:cNvPr id="2" name="Title 1">
+            <a:extLst>
+              <a:ext uri="{FF2B5EF4-FFF2-40B4-BE49-F238E27FC236}">
+                <a16:creationId xmlns:a16="http://schemas.microsoft.com/office/drawing/2014/main" id="{FD1D3045-FB77-0B42-AB48-E9BBE193076A}"/>
+              </a:ext>
+            </a:extLst>
+          </p:cNvPr>
+          <p:cNvSpPr>
+            <a:spLocks noGrp="1"/>
+          </p:cNvSpPr>
+          <p:nvPr>
+            <p:ph type="title"/>
+          </p:nvPr>
+        </p:nvSpPr>
+        <p:spPr>
+          <a:xfrm>
+            <a:off x="457200" y="300785"/>
+            <a:ext cx="8244048" cy="902412"/>
+          </a:xfrm>
+        </p:spPr>
+        <p:txBody>
+          <a:bodyPr>
+            <a:normAutofit/>
+          </a:bodyPr>
+          <a:lstStyle/>
+          <a:p>
+            <a:r>
+              <a:rPr lang="en-US" dirty="0"/>
+              <a:t>Data Cleanup Recs</a:t>
+            </a:r>
+          </a:p>
+        </p:txBody>
+      </p:sp>
+      <p:sp>
+        <p:nvSpPr>
+          <p:cNvPr id="3" name="Content Placeholder 2">
+            <a:extLst>
+              <a:ext uri="{FF2B5EF4-FFF2-40B4-BE49-F238E27FC236}">
+                <a16:creationId xmlns:a16="http://schemas.microsoft.com/office/drawing/2014/main" id="{41EC0A76-14E2-A747-91E2-B6AF55A9151B}"/>
+              </a:ext>
+            </a:extLst>
+          </p:cNvPr>
+          <p:cNvSpPr>
+            <a:spLocks noGrp="1"/>
+          </p:cNvSpPr>
+          <p:nvPr>
+            <p:ph idx="1"/>
+          </p:nvPr>
+        </p:nvSpPr>
+        <p:spPr>
+          <a:xfrm>
+            <a:off x="457200" y="1203197"/>
+            <a:ext cx="8229600" cy="5354018"/>
+          </a:xfrm>
+        </p:spPr>
+        <p:txBody>
+          <a:bodyPr>
+            <a:normAutofit fontScale="92500"/>
+          </a:bodyPr>
+          <a:lstStyle/>
+          <a:p>
+            <a:pPr>
+              <a:lnSpc>
+                <a:spcPct val="200000"/>
+              </a:lnSpc>
+            </a:pPr>
+            <a:r>
+              <a:rPr lang="en-US" sz="2000" dirty="0"/>
+              <a:t>Dropdown menus are your best friend! Include an “other” category and an extra field for more detailed info.</a:t>
+            </a:r>
+          </a:p>
+          <a:p>
+            <a:pPr>
+              <a:lnSpc>
+                <a:spcPct val="200000"/>
+              </a:lnSpc>
+            </a:pPr>
+            <a:r>
+              <a:rPr lang="en-US" sz="2000" dirty="0"/>
+              <a:t>Take this data in a consistent format:</a:t>
+            </a:r>
+          </a:p>
+          <a:p>
+            <a:pPr lvl="1">
+              <a:lnSpc>
+                <a:spcPct val="200000"/>
+              </a:lnSpc>
+            </a:pPr>
+            <a:r>
+              <a:rPr lang="en-US" sz="1600" dirty="0"/>
+              <a:t>Pronouns (include as many options as realistic) </a:t>
+            </a:r>
+          </a:p>
+          <a:p>
+            <a:pPr lvl="2">
+              <a:lnSpc>
+                <a:spcPct val="200000"/>
+              </a:lnSpc>
+            </a:pPr>
+            <a:r>
+              <a:rPr lang="en-US" sz="1200" dirty="0"/>
+              <a:t>Stick with ONE format (she/her vs. she/her/hers</a:t>
+            </a:r>
+          </a:p>
+          <a:p>
+            <a:pPr lvl="1">
+              <a:lnSpc>
+                <a:spcPct val="200000"/>
+              </a:lnSpc>
+            </a:pPr>
+            <a:r>
+              <a:rPr lang="en-US" sz="1600" dirty="0"/>
+              <a:t>Ethnicity (checkboxes with “other”)</a:t>
+            </a:r>
+          </a:p>
+          <a:p>
+            <a:pPr lvl="1">
+              <a:lnSpc>
+                <a:spcPct val="200000"/>
+              </a:lnSpc>
+            </a:pPr>
+            <a:r>
+              <a:rPr lang="en-US" sz="1600" dirty="0"/>
+              <a:t>Academics (single choice)</a:t>
+            </a:r>
+          </a:p>
+          <a:p>
+            <a:pPr lvl="1">
+              <a:lnSpc>
+                <a:spcPct val="200000"/>
+              </a:lnSpc>
+            </a:pPr>
+            <a:r>
+              <a:rPr lang="en-US" sz="1600" dirty="0"/>
+              <a:t>Avoid self-description where possible</a:t>
+            </a:r>
+          </a:p>
+          <a:p>
+            <a:pPr>
+              <a:lnSpc>
+                <a:spcPct val="200000"/>
+              </a:lnSpc>
+            </a:pPr>
+            <a:r>
+              <a:rPr lang="en-US" sz="2000" dirty="0"/>
+              <a:t>Steal from a ”pick list” - use the same language on applications</a:t>
+            </a:r>
+          </a:p>
+        </p:txBody>
+      </p:sp>
+      <p:sp>
+        <p:nvSpPr>
+          <p:cNvPr id="4" name="Slide Number Placeholder 3">
+            <a:extLst>
+              <a:ext uri="{FF2B5EF4-FFF2-40B4-BE49-F238E27FC236}">
+                <a16:creationId xmlns:a16="http://schemas.microsoft.com/office/drawing/2014/main" id="{5341FE1B-C3BE-8A42-8CC0-A79A703A1BC4}"/>
+              </a:ext>
+            </a:extLst>
+          </p:cNvPr>
+          <p:cNvSpPr>
+            <a:spLocks noGrp="1"/>
+          </p:cNvSpPr>
+          <p:nvPr>
+            <p:ph type="sldNum" sz="quarter" idx="4"/>
+          </p:nvPr>
+        </p:nvSpPr>
+        <p:spPr/>
+        <p:txBody>
+          <a:bodyPr/>
+          <a:lstStyle/>
+          <a:p>
+            <a:fld id="{42765631-169E-4944-BFFC-C229B4B1B06E}" type="slidenum">
+              <a:rPr lang="en-US" smtClean="0"/>
+              <a:pPr/>
+              <a:t>12</a:t>
+            </a:fld>
+            <a:endParaRPr lang="en-US" dirty="0"/>
+          </a:p>
+        </p:txBody>
+      </p:sp>
+      <p:sp>
+        <p:nvSpPr>
+          <p:cNvPr id="5" name="Rectangle 4">
+            <a:extLst>
+              <a:ext uri="{FF2B5EF4-FFF2-40B4-BE49-F238E27FC236}">
+                <a16:creationId xmlns:a16="http://schemas.microsoft.com/office/drawing/2014/main" id="{3CB34F4F-87D5-BF47-BAFF-7250921720B6}"/>
+              </a:ext>
+            </a:extLst>
+          </p:cNvPr>
+          <p:cNvSpPr/>
+          <p:nvPr/>
+        </p:nvSpPr>
+        <p:spPr>
+          <a:xfrm>
+            <a:off x="6096000" y="5958196"/>
+            <a:ext cx="3048000" cy="902412"/>
+          </a:xfrm>
+          <a:prstGeom prst="rect">
+            <a:avLst/>
+          </a:prstGeom>
+          <a:ln>
+            <a:noFill/>
+          </a:ln>
+        </p:spPr>
+        <p:style>
+          <a:lnRef idx="2">
+            <a:schemeClr val="dk1"/>
+          </a:lnRef>
+          <a:fillRef idx="1">
+            <a:schemeClr val="lt1"/>
+          </a:fillRef>
+          <a:effectRef idx="0">
+            <a:schemeClr val="dk1"/>
+          </a:effectRef>
+          <a:fontRef idx="minor">
+            <a:schemeClr val="dk1"/>
+          </a:fontRef>
+        </p:style>
+        <p:txBody>
+          <a:bodyPr rtlCol="0" anchor="ctr"/>
+          <a:lstStyle/>
+          <a:p>
+            <a:pPr algn="ctr"/>
+            <a:endParaRPr lang="en-US"/>
+          </a:p>
+        </p:txBody>
+      </p:sp>
+    </p:spTree>
+    <p:extLst>
+      <p:ext uri="{BB962C8B-B14F-4D97-AF65-F5344CB8AC3E}">
+        <p14:creationId xmlns:p14="http://schemas.microsoft.com/office/powerpoint/2010/main" val="690272870"/>
+      </p:ext>
+    </p:extLst>
+  </p:cSld>
+  <p:clrMapOvr>
+    <a:masterClrMapping/>
+  </p:clrMapOvr>
+</p:sld>
+</file>
+
+<file path=ppt/slides/slide13.xml><?xml version="1.0" encoding="utf-8"?>
+<p:sld xmlns:a="http://schemas.openxmlformats.org/drawingml/2006/main" xmlns:r="http://schemas.openxmlformats.org/officeDocument/2006/relationships" xmlns:p="http://schemas.openxmlformats.org/presentationml/2006/main">
+  <p:cSld>
+    <p:spTree>
+      <p:nvGrpSpPr>
+        <p:cNvPr id="1" name=""/>
+        <p:cNvGrpSpPr/>
+        <p:nvPr/>
+      </p:nvGrpSpPr>
+      <p:grpSpPr>
+        <a:xfrm>
+          <a:off x="0" y="0"/>
+          <a:ext cx="0" cy="0"/>
+          <a:chOff x="0" y="0"/>
+          <a:chExt cx="0" cy="0"/>
+        </a:xfrm>
+      </p:grpSpPr>
+      <p:sp>
+        <p:nvSpPr>
+          <p:cNvPr id="2" name="Title 1">
+            <a:extLst>
+              <a:ext uri="{FF2B5EF4-FFF2-40B4-BE49-F238E27FC236}">
+                <a16:creationId xmlns:a16="http://schemas.microsoft.com/office/drawing/2014/main" id="{F00A0201-D2C7-2C41-8BA7-4025A812C5D9}"/>
+              </a:ext>
+            </a:extLst>
+          </p:cNvPr>
+          <p:cNvSpPr>
+            <a:spLocks noGrp="1"/>
+          </p:cNvSpPr>
+          <p:nvPr>
+            <p:ph type="ctrTitle"/>
+          </p:nvPr>
+        </p:nvSpPr>
+        <p:spPr/>
+        <p:txBody>
+          <a:bodyPr anchor="b"/>
+          <a:lstStyle/>
+          <a:p>
+            <a:r>
+              <a:rPr lang="en-US" sz="7200" dirty="0"/>
+              <a:t>Appendix</a:t>
+            </a:r>
+          </a:p>
+        </p:txBody>
+      </p:sp>
+      <p:sp>
+        <p:nvSpPr>
+          <p:cNvPr id="4" name="Slide Number Placeholder 3">
+            <a:extLst>
+              <a:ext uri="{FF2B5EF4-FFF2-40B4-BE49-F238E27FC236}">
+                <a16:creationId xmlns:a16="http://schemas.microsoft.com/office/drawing/2014/main" id="{F299CB5B-DE3B-5F47-9BBA-50D2811D634F}"/>
+              </a:ext>
+            </a:extLst>
+          </p:cNvPr>
+          <p:cNvSpPr>
+            <a:spLocks noGrp="1"/>
+          </p:cNvSpPr>
+          <p:nvPr>
+            <p:ph type="sldNum" sz="quarter" idx="4"/>
+          </p:nvPr>
+        </p:nvSpPr>
+        <p:spPr/>
+        <p:txBody>
+          <a:bodyPr/>
+          <a:lstStyle/>
+          <a:p>
+            <a:fld id="{42765631-169E-4944-BFFC-C229B4B1B06E}" type="slidenum">
+              <a:rPr lang="en-US" smtClean="0"/>
+              <a:pPr/>
+              <a:t>13</a:t>
+            </a:fld>
+            <a:endParaRPr lang="en-US" dirty="0"/>
+          </a:p>
+        </p:txBody>
+      </p:sp>
+      <p:sp>
+        <p:nvSpPr>
+          <p:cNvPr id="6" name="Rectangle 5">
+            <a:extLst>
+              <a:ext uri="{FF2B5EF4-FFF2-40B4-BE49-F238E27FC236}">
+                <a16:creationId xmlns:a16="http://schemas.microsoft.com/office/drawing/2014/main" id="{3CCABF11-E25D-164D-A3F7-B2F35333D5DE}"/>
+              </a:ext>
+            </a:extLst>
+          </p:cNvPr>
+          <p:cNvSpPr/>
+          <p:nvPr/>
+        </p:nvSpPr>
+        <p:spPr>
+          <a:xfrm>
+            <a:off x="6096000" y="5876071"/>
+            <a:ext cx="3048000" cy="984537"/>
+          </a:xfrm>
+          <a:prstGeom prst="rect">
+            <a:avLst/>
+          </a:prstGeom>
+          <a:ln>
+            <a:noFill/>
+          </a:ln>
+        </p:spPr>
+        <p:style>
+          <a:lnRef idx="2">
+            <a:schemeClr val="dk1"/>
+          </a:lnRef>
+          <a:fillRef idx="1">
+            <a:schemeClr val="lt1"/>
+          </a:fillRef>
+          <a:effectRef idx="0">
+            <a:schemeClr val="dk1"/>
+          </a:effectRef>
+          <a:fontRef idx="minor">
+            <a:schemeClr val="dk1"/>
+          </a:fontRef>
+        </p:style>
+        <p:txBody>
+          <a:bodyPr rtlCol="0" anchor="ctr"/>
+          <a:lstStyle/>
+          <a:p>
+            <a:pPr algn="ctr"/>
+            <a:endParaRPr lang="en-US"/>
+          </a:p>
+        </p:txBody>
+      </p:sp>
+    </p:spTree>
+    <p:extLst>
+      <p:ext uri="{BB962C8B-B14F-4D97-AF65-F5344CB8AC3E}">
+        <p14:creationId xmlns:p14="http://schemas.microsoft.com/office/powerpoint/2010/main" val="4053480692"/>
+      </p:ext>
+    </p:extLst>
+  </p:cSld>
+  <p:clrMapOvr>
+    <a:masterClrMapping/>
+  </p:clrMapOvr>
+</p:sld>
+</file>
+
+<file path=ppt/slides/slide14.xml><?xml version="1.0" encoding="utf-8"?>
+<p:sld xmlns:a="http://schemas.openxmlformats.org/drawingml/2006/main" xmlns:r="http://schemas.openxmlformats.org/officeDocument/2006/relationships" xmlns:p="http://schemas.openxmlformats.org/presentationml/2006/main">
+  <p:cSld>
+    <p:spTree>
+      <p:nvGrpSpPr>
+        <p:cNvPr id="1" name=""/>
+        <p:cNvGrpSpPr/>
+        <p:nvPr/>
+      </p:nvGrpSpPr>
+      <p:grpSpPr>
+        <a:xfrm>
+          <a:off x="0" y="0"/>
+          <a:ext cx="0" cy="0"/>
+          <a:chOff x="0" y="0"/>
+          <a:chExt cx="0" cy="0"/>
+        </a:xfrm>
+      </p:grpSpPr>
+      <p:sp>
+        <p:nvSpPr>
+          <p:cNvPr id="2" name="Title 1">
+            <a:extLst>
+              <a:ext uri="{FF2B5EF4-FFF2-40B4-BE49-F238E27FC236}">
+                <a16:creationId xmlns:a16="http://schemas.microsoft.com/office/drawing/2014/main" id="{FD1D3045-FB77-0B42-AB48-E9BBE193076A}"/>
+              </a:ext>
+            </a:extLst>
+          </p:cNvPr>
+          <p:cNvSpPr>
+            <a:spLocks noGrp="1"/>
+          </p:cNvSpPr>
+          <p:nvPr>
+            <p:ph type="title"/>
+          </p:nvPr>
+        </p:nvSpPr>
+        <p:spPr>
+          <a:xfrm>
+            <a:off x="457200" y="300785"/>
+            <a:ext cx="8244048" cy="902412"/>
+          </a:xfrm>
+        </p:spPr>
+        <p:txBody>
+          <a:bodyPr/>
+          <a:lstStyle/>
+          <a:p>
+            <a:r>
+              <a:rPr lang="en-US" dirty="0"/>
+              <a:t>Adjacency</a:t>
+            </a:r>
+          </a:p>
+        </p:txBody>
+      </p:sp>
+      <p:sp>
+        <p:nvSpPr>
+          <p:cNvPr id="4" name="Slide Number Placeholder 3">
+            <a:extLst>
+              <a:ext uri="{FF2B5EF4-FFF2-40B4-BE49-F238E27FC236}">
+                <a16:creationId xmlns:a16="http://schemas.microsoft.com/office/drawing/2014/main" id="{5341FE1B-C3BE-8A42-8CC0-A79A703A1BC4}"/>
+              </a:ext>
+            </a:extLst>
+          </p:cNvPr>
+          <p:cNvSpPr>
+            <a:spLocks noGrp="1"/>
+          </p:cNvSpPr>
+          <p:nvPr>
+            <p:ph type="sldNum" sz="quarter" idx="4"/>
+          </p:nvPr>
+        </p:nvSpPr>
+        <p:spPr/>
+        <p:txBody>
+          <a:bodyPr/>
+          <a:lstStyle/>
+          <a:p>
+            <a:fld id="{42765631-169E-4944-BFFC-C229B4B1B06E}" type="slidenum">
+              <a:rPr lang="en-US" smtClean="0"/>
+              <a:pPr/>
+              <a:t>14</a:t>
+            </a:fld>
+            <a:endParaRPr lang="en-US" dirty="0"/>
+          </a:p>
+        </p:txBody>
+      </p:sp>
+      <p:sp>
+        <p:nvSpPr>
+          <p:cNvPr id="5" name="Rectangle 4">
+            <a:extLst>
+              <a:ext uri="{FF2B5EF4-FFF2-40B4-BE49-F238E27FC236}">
+                <a16:creationId xmlns:a16="http://schemas.microsoft.com/office/drawing/2014/main" id="{3CB34F4F-87D5-BF47-BAFF-7250921720B6}"/>
+              </a:ext>
+            </a:extLst>
+          </p:cNvPr>
+          <p:cNvSpPr/>
+          <p:nvPr/>
+        </p:nvSpPr>
+        <p:spPr>
+          <a:xfrm>
+            <a:off x="6096000" y="5876071"/>
+            <a:ext cx="3048000" cy="984537"/>
+          </a:xfrm>
+          <a:prstGeom prst="rect">
+            <a:avLst/>
+          </a:prstGeom>
+          <a:ln>
+            <a:noFill/>
+          </a:ln>
+        </p:spPr>
+        <p:style>
+          <a:lnRef idx="2">
+            <a:schemeClr val="dk1"/>
+          </a:lnRef>
+          <a:fillRef idx="1">
+            <a:schemeClr val="lt1"/>
+          </a:fillRef>
+          <a:effectRef idx="0">
+            <a:schemeClr val="dk1"/>
+          </a:effectRef>
+          <a:fontRef idx="minor">
+            <a:schemeClr val="dk1"/>
+          </a:fontRef>
+        </p:style>
+        <p:txBody>
+          <a:bodyPr rtlCol="0" anchor="ctr"/>
+          <a:lstStyle/>
+          <a:p>
+            <a:pPr algn="ctr"/>
+            <a:endParaRPr lang="en-US"/>
+          </a:p>
+        </p:txBody>
+      </p:sp>
+      <p:pic>
+        <p:nvPicPr>
+          <p:cNvPr id="9" name="Content Placeholder 8" descr="Text&#10;&#10;Description automatically generated">
+            <a:extLst>
+              <a:ext uri="{FF2B5EF4-FFF2-40B4-BE49-F238E27FC236}">
+                <a16:creationId xmlns:a16="http://schemas.microsoft.com/office/drawing/2014/main" id="{82513FFC-2EE8-D54B-AD71-0215DE6BB650}"/>
+              </a:ext>
+            </a:extLst>
+          </p:cNvPr>
+          <p:cNvPicPr>
+            <a:picLocks noGrp="1" noChangeAspect="1"/>
+          </p:cNvPicPr>
+          <p:nvPr>
+            <p:ph idx="1"/>
+          </p:nvPr>
+        </p:nvPicPr>
+        <p:blipFill>
+          <a:blip r:embed="rId3"/>
+          <a:stretch>
+            <a:fillRect/>
+          </a:stretch>
+        </p:blipFill>
+        <p:spPr>
+          <a:xfrm>
+            <a:off x="2142211" y="1299747"/>
+            <a:ext cx="4859575" cy="4787900"/>
+          </a:xfrm>
+        </p:spPr>
+      </p:pic>
+      <p:cxnSp>
+        <p:nvCxnSpPr>
+          <p:cNvPr id="10" name="Straight Arrow Connector 9">
+            <a:extLst>
+              <a:ext uri="{FF2B5EF4-FFF2-40B4-BE49-F238E27FC236}">
+                <a16:creationId xmlns:a16="http://schemas.microsoft.com/office/drawing/2014/main" id="{760561FE-8C4F-564D-AAC2-3710E8D17F87}"/>
+              </a:ext>
+            </a:extLst>
+          </p:cNvPr>
+          <p:cNvCxnSpPr>
+            <a:cxnSpLocks/>
+          </p:cNvCxnSpPr>
+          <p:nvPr/>
+        </p:nvCxnSpPr>
+        <p:spPr>
+          <a:xfrm>
+            <a:off x="1600200" y="1524000"/>
+            <a:ext cx="381000" cy="0"/>
+          </a:xfrm>
+          <a:prstGeom prst="straightConnector1">
+            <a:avLst/>
+          </a:prstGeom>
+          <a:ln>
+            <a:solidFill>
+              <a:srgbClr val="1BBECC"/>
+            </a:solidFill>
+            <a:tailEnd type="triangle"/>
+          </a:ln>
+          <a:effectLst/>
+        </p:spPr>
+        <p:style>
+          <a:lnRef idx="3">
+            <a:schemeClr val="accent6"/>
+          </a:lnRef>
+          <a:fillRef idx="0">
+            <a:schemeClr val="accent6"/>
+          </a:fillRef>
+          <a:effectRef idx="2">
+            <a:schemeClr val="accent6"/>
+          </a:effectRef>
+          <a:fontRef idx="minor">
+            <a:schemeClr val="tx1"/>
+          </a:fontRef>
+        </p:style>
+      </p:cxnSp>
+      <p:sp>
+        <p:nvSpPr>
+          <p:cNvPr id="12" name="Content Placeholder 3">
+            <a:extLst>
+              <a:ext uri="{FF2B5EF4-FFF2-40B4-BE49-F238E27FC236}">
+                <a16:creationId xmlns:a16="http://schemas.microsoft.com/office/drawing/2014/main" id="{0F1E68D1-DBF0-5746-9C94-092C51956E02}"/>
+              </a:ext>
+            </a:extLst>
+          </p:cNvPr>
+          <p:cNvSpPr txBox="1">
+            <a:spLocks/>
+          </p:cNvSpPr>
+          <p:nvPr/>
+        </p:nvSpPr>
+        <p:spPr>
+          <a:xfrm>
+            <a:off x="457200" y="1144906"/>
+            <a:ext cx="1292811" cy="758188"/>
+          </a:xfrm>
+          <a:prstGeom prst="rect">
+            <a:avLst/>
+          </a:prstGeom>
+        </p:spPr>
+        <p:txBody>
+          <a:bodyPr vert="horz" lIns="91440" tIns="45720" rIns="91440" bIns="45720" rtlCol="0">
+            <a:normAutofit/>
+          </a:bodyPr>
+          <a:lstStyle>
+            <a:lvl1pPr marL="342900" indent="-342900" algn="l" defTabSz="457200" rtl="0" eaLnBrk="1" latinLnBrk="0" hangingPunct="1">
+              <a:spcBef>
+                <a:spcPct val="20000"/>
+              </a:spcBef>
+              <a:buClr>
+                <a:srgbClr val="440079"/>
+              </a:buClr>
+              <a:buSzPct val="66000"/>
+              <a:buFont typeface="Wingdings" charset="2"/>
+              <a:buChar char="u"/>
+              <a:defRPr sz="2800" b="0" i="0" kern="1200">
+                <a:solidFill>
+                  <a:srgbClr val="999999"/>
+                </a:solidFill>
+                <a:latin typeface="Gotham Book" pitchFamily="2" charset="0"/>
+                <a:ea typeface="+mn-ea"/>
+                <a:cs typeface="Gotham Book" pitchFamily="2" charset="0"/>
+              </a:defRPr>
+            </a:lvl1pPr>
+            <a:lvl2pPr marL="742950" indent="-285750" algn="l" defTabSz="457200" rtl="0" eaLnBrk="1" latinLnBrk="0" hangingPunct="1">
+              <a:spcBef>
+                <a:spcPct val="20000"/>
+              </a:spcBef>
+              <a:buClr>
+                <a:srgbClr val="440079"/>
+              </a:buClr>
+              <a:buSzPct val="66000"/>
+              <a:buFont typeface="Wingdings" charset="2"/>
+              <a:buChar char="u"/>
+              <a:defRPr sz="2400" b="0" i="0" kern="1200">
+                <a:solidFill>
+                  <a:srgbClr val="999999"/>
+                </a:solidFill>
+                <a:latin typeface="Gotham Book" pitchFamily="2" charset="0"/>
+                <a:ea typeface="+mn-ea"/>
+                <a:cs typeface="Gotham Book" pitchFamily="2" charset="0"/>
+              </a:defRPr>
+            </a:lvl2pPr>
+            <a:lvl3pPr marL="1143000" indent="-228600" algn="l" defTabSz="457200" rtl="0" eaLnBrk="1" latinLnBrk="0" hangingPunct="1">
+              <a:spcBef>
+                <a:spcPct val="20000"/>
+              </a:spcBef>
+              <a:buClr>
+                <a:srgbClr val="440079"/>
+              </a:buClr>
+              <a:buSzPct val="66000"/>
+              <a:buFont typeface="Wingdings" charset="2"/>
+              <a:buChar char="u"/>
+              <a:defRPr sz="2000" b="0" i="0" kern="1200">
+                <a:solidFill>
+                  <a:srgbClr val="999999"/>
+                </a:solidFill>
+                <a:latin typeface="Gotham Book" pitchFamily="2" charset="0"/>
+                <a:ea typeface="+mn-ea"/>
+                <a:cs typeface="Gotham Book" pitchFamily="2" charset="0"/>
+              </a:defRPr>
+            </a:lvl3pPr>
+            <a:lvl4pPr marL="1600200" indent="-228600" algn="l" defTabSz="457200" rtl="0" eaLnBrk="1" latinLnBrk="0" hangingPunct="1">
+              <a:spcBef>
+                <a:spcPct val="20000"/>
+              </a:spcBef>
+              <a:buClr>
+                <a:srgbClr val="440079"/>
+              </a:buClr>
+              <a:buSzPct val="66000"/>
+              <a:buFont typeface="Wingdings" charset="2"/>
+              <a:buChar char="u"/>
+              <a:defRPr sz="1800" b="0" i="0" kern="1200">
+                <a:solidFill>
+                  <a:srgbClr val="999999"/>
+                </a:solidFill>
+                <a:latin typeface="Gotham Book" pitchFamily="2" charset="0"/>
+                <a:ea typeface="+mn-ea"/>
+                <a:cs typeface="Gotham Book" pitchFamily="2" charset="0"/>
+              </a:defRPr>
+            </a:lvl4pPr>
+            <a:lvl5pPr marL="2057400" indent="-228600" algn="l" defTabSz="457200" rtl="0" eaLnBrk="1" latinLnBrk="0" hangingPunct="1">
+              <a:spcBef>
+                <a:spcPct val="20000"/>
+              </a:spcBef>
+              <a:buClr>
+                <a:srgbClr val="4C1966"/>
+              </a:buClr>
+              <a:buFont typeface="Wingdings" charset="2"/>
+              <a:buChar char="§"/>
+              <a:defRPr sz="1800" b="0" i="0" kern="1200">
+                <a:solidFill>
+                  <a:schemeClr val="tx1"/>
+                </a:solidFill>
+                <a:latin typeface="Fugue"/>
+                <a:ea typeface="+mn-ea"/>
+                <a:cs typeface="Fugue"/>
+              </a:defRPr>
+            </a:lvl5pPr>
+            <a:lvl6pPr marL="2514600" indent="-228600" algn="l" defTabSz="457200" rtl="0" eaLnBrk="1" latinLnBrk="0" hangingPunct="1">
+              <a:spcBef>
+                <a:spcPct val="20000"/>
+              </a:spcBef>
+              <a:buFont typeface="Arial"/>
+              <a:buChar char="•"/>
+              <a:defRPr sz="1800" kern="1200">
+                <a:solidFill>
+                  <a:schemeClr val="tx1"/>
+                </a:solidFill>
+                <a:latin typeface="+mn-lt"/>
+                <a:ea typeface="+mn-ea"/>
+                <a:cs typeface="+mn-cs"/>
+              </a:defRPr>
+            </a:lvl6pPr>
+            <a:lvl7pPr marL="2971800" indent="-228600" algn="l" defTabSz="457200" rtl="0" eaLnBrk="1" latinLnBrk="0" hangingPunct="1">
+              <a:spcBef>
+                <a:spcPct val="20000"/>
+              </a:spcBef>
+              <a:buFont typeface="Arial"/>
+              <a:buChar char="•"/>
+              <a:defRPr sz="1800" kern="1200">
+                <a:solidFill>
+                  <a:schemeClr val="tx1"/>
+                </a:solidFill>
+                <a:latin typeface="+mn-lt"/>
+                <a:ea typeface="+mn-ea"/>
+                <a:cs typeface="+mn-cs"/>
+              </a:defRPr>
+            </a:lvl7pPr>
+            <a:lvl8pPr marL="3429000" indent="-228600" algn="l" defTabSz="457200" rtl="0" eaLnBrk="1" latinLnBrk="0" hangingPunct="1">
+              <a:spcBef>
+                <a:spcPct val="20000"/>
+              </a:spcBef>
+              <a:buFont typeface="Arial"/>
+              <a:buChar char="•"/>
+              <a:defRPr sz="1800" kern="1200">
+                <a:solidFill>
+                  <a:schemeClr val="tx1"/>
+                </a:solidFill>
+                <a:latin typeface="+mn-lt"/>
+                <a:ea typeface="+mn-ea"/>
+                <a:cs typeface="+mn-cs"/>
+              </a:defRPr>
+            </a:lvl8pPr>
+            <a:lvl9pPr marL="3886200" indent="-228600" algn="l" defTabSz="457200" rtl="0" eaLnBrk="1" latinLnBrk="0" hangingPunct="1">
+              <a:spcBef>
+                <a:spcPct val="20000"/>
+              </a:spcBef>
+              <a:buFont typeface="Arial"/>
+              <a:buChar char="•"/>
+              <a:defRPr sz="1800" kern="1200">
+                <a:solidFill>
+                  <a:schemeClr val="tx1"/>
+                </a:solidFill>
+                <a:latin typeface="+mn-lt"/>
+                <a:ea typeface="+mn-ea"/>
+                <a:cs typeface="+mn-cs"/>
+              </a:defRPr>
+            </a:lvl9pPr>
+          </a:lstStyle>
+          <a:p>
+            <a:pPr marL="0" indent="0">
+              <a:lnSpc>
+                <a:spcPct val="200000"/>
+              </a:lnSpc>
+              <a:buFont typeface="Wingdings" charset="2"/>
+              <a:buNone/>
+            </a:pPr>
+            <a:r>
+              <a:rPr lang="en-US" sz="1800" dirty="0"/>
+              <a:t>Header</a:t>
+            </a:r>
+          </a:p>
+        </p:txBody>
+      </p:sp>
+      <p:sp>
+        <p:nvSpPr>
+          <p:cNvPr id="13" name="Right Brace 12">
+            <a:extLst>
+              <a:ext uri="{FF2B5EF4-FFF2-40B4-BE49-F238E27FC236}">
+                <a16:creationId xmlns:a16="http://schemas.microsoft.com/office/drawing/2014/main" id="{C349D2BD-2CCC-074A-9048-2BB4FD768C2D}"/>
+              </a:ext>
+            </a:extLst>
+          </p:cNvPr>
+          <p:cNvSpPr/>
+          <p:nvPr/>
+        </p:nvSpPr>
+        <p:spPr>
+          <a:xfrm>
+            <a:off x="6593122" y="1744247"/>
+            <a:ext cx="457200" cy="4343400"/>
+          </a:xfrm>
+          <a:prstGeom prst="rightBrace">
+            <a:avLst/>
+          </a:prstGeom>
+          <a:ln>
+            <a:solidFill>
+              <a:srgbClr val="1BBECC"/>
+            </a:solidFill>
+          </a:ln>
+          <a:effectLst>
+            <a:outerShdw blurRad="40000" dist="20000" dir="5400000" rotWithShape="0">
+              <a:schemeClr val="bg1">
+                <a:alpha val="38000"/>
+              </a:schemeClr>
+            </a:outerShdw>
+          </a:effectLst>
+        </p:spPr>
+        <p:style>
+          <a:lnRef idx="2">
+            <a:schemeClr val="accent1"/>
+          </a:lnRef>
+          <a:fillRef idx="0">
+            <a:schemeClr val="accent1"/>
+          </a:fillRef>
+          <a:effectRef idx="1">
+            <a:schemeClr val="accent1"/>
+          </a:effectRef>
+          <a:fontRef idx="minor">
+            <a:schemeClr val="tx1"/>
+          </a:fontRef>
+        </p:style>
+        <p:txBody>
+          <a:bodyPr rtlCol="0" anchor="ctr"/>
+          <a:lstStyle/>
+          <a:p>
+            <a:pPr algn="ctr"/>
+            <a:endParaRPr lang="en-US"/>
+          </a:p>
+        </p:txBody>
+      </p:sp>
+      <p:sp>
+        <p:nvSpPr>
+          <p:cNvPr id="15" name="Content Placeholder 3">
+            <a:extLst>
+              <a:ext uri="{FF2B5EF4-FFF2-40B4-BE49-F238E27FC236}">
+                <a16:creationId xmlns:a16="http://schemas.microsoft.com/office/drawing/2014/main" id="{D7447AEA-BBC4-0B4E-A9B9-9ECC03DFD11F}"/>
+              </a:ext>
+            </a:extLst>
+          </p:cNvPr>
+          <p:cNvSpPr txBox="1">
+            <a:spLocks/>
+          </p:cNvSpPr>
+          <p:nvPr/>
+        </p:nvSpPr>
+        <p:spPr>
+          <a:xfrm>
+            <a:off x="7199986" y="3536853"/>
+            <a:ext cx="1639214" cy="758188"/>
+          </a:xfrm>
+          <a:prstGeom prst="rect">
+            <a:avLst/>
+          </a:prstGeom>
+        </p:spPr>
+        <p:txBody>
+          <a:bodyPr vert="horz" lIns="91440" tIns="45720" rIns="91440" bIns="45720" rtlCol="0">
+            <a:normAutofit fontScale="92500"/>
+          </a:bodyPr>
+          <a:lstStyle>
+            <a:lvl1pPr marL="342900" indent="-342900" algn="l" defTabSz="457200" rtl="0" eaLnBrk="1" latinLnBrk="0" hangingPunct="1">
+              <a:spcBef>
+                <a:spcPct val="20000"/>
+              </a:spcBef>
+              <a:buClr>
+                <a:srgbClr val="440079"/>
+              </a:buClr>
+              <a:buSzPct val="66000"/>
+              <a:buFont typeface="Wingdings" charset="2"/>
+              <a:buChar char="u"/>
+              <a:defRPr sz="2800" b="0" i="0" kern="1200">
+                <a:solidFill>
+                  <a:srgbClr val="999999"/>
+                </a:solidFill>
+                <a:latin typeface="Gotham Book" pitchFamily="2" charset="0"/>
+                <a:ea typeface="+mn-ea"/>
+                <a:cs typeface="Gotham Book" pitchFamily="2" charset="0"/>
+              </a:defRPr>
+            </a:lvl1pPr>
+            <a:lvl2pPr marL="742950" indent="-285750" algn="l" defTabSz="457200" rtl="0" eaLnBrk="1" latinLnBrk="0" hangingPunct="1">
+              <a:spcBef>
+                <a:spcPct val="20000"/>
+              </a:spcBef>
+              <a:buClr>
+                <a:srgbClr val="440079"/>
+              </a:buClr>
+              <a:buSzPct val="66000"/>
+              <a:buFont typeface="Wingdings" charset="2"/>
+              <a:buChar char="u"/>
+              <a:defRPr sz="2400" b="0" i="0" kern="1200">
+                <a:solidFill>
+                  <a:srgbClr val="999999"/>
+                </a:solidFill>
+                <a:latin typeface="Gotham Book" pitchFamily="2" charset="0"/>
+                <a:ea typeface="+mn-ea"/>
+                <a:cs typeface="Gotham Book" pitchFamily="2" charset="0"/>
+              </a:defRPr>
+            </a:lvl2pPr>
+            <a:lvl3pPr marL="1143000" indent="-228600" algn="l" defTabSz="457200" rtl="0" eaLnBrk="1" latinLnBrk="0" hangingPunct="1">
+              <a:spcBef>
+                <a:spcPct val="20000"/>
+              </a:spcBef>
+              <a:buClr>
+                <a:srgbClr val="440079"/>
+              </a:buClr>
+              <a:buSzPct val="66000"/>
+              <a:buFont typeface="Wingdings" charset="2"/>
+              <a:buChar char="u"/>
+              <a:defRPr sz="2000" b="0" i="0" kern="1200">
+                <a:solidFill>
+                  <a:srgbClr val="999999"/>
+                </a:solidFill>
+                <a:latin typeface="Gotham Book" pitchFamily="2" charset="0"/>
+                <a:ea typeface="+mn-ea"/>
+                <a:cs typeface="Gotham Book" pitchFamily="2" charset="0"/>
+              </a:defRPr>
+            </a:lvl3pPr>
+            <a:lvl4pPr marL="1600200" indent="-228600" algn="l" defTabSz="457200" rtl="0" eaLnBrk="1" latinLnBrk="0" hangingPunct="1">
+              <a:spcBef>
+                <a:spcPct val="20000"/>
+              </a:spcBef>
+              <a:buClr>
+                <a:srgbClr val="440079"/>
+              </a:buClr>
+              <a:buSzPct val="66000"/>
+              <a:buFont typeface="Wingdings" charset="2"/>
+              <a:buChar char="u"/>
+              <a:defRPr sz="1800" b="0" i="0" kern="1200">
+                <a:solidFill>
+                  <a:srgbClr val="999999"/>
+                </a:solidFill>
+                <a:latin typeface="Gotham Book" pitchFamily="2" charset="0"/>
+                <a:ea typeface="+mn-ea"/>
+                <a:cs typeface="Gotham Book" pitchFamily="2" charset="0"/>
+              </a:defRPr>
+            </a:lvl4pPr>
+            <a:lvl5pPr marL="2057400" indent="-228600" algn="l" defTabSz="457200" rtl="0" eaLnBrk="1" latinLnBrk="0" hangingPunct="1">
+              <a:spcBef>
+                <a:spcPct val="20000"/>
+              </a:spcBef>
+              <a:buClr>
+                <a:srgbClr val="4C1966"/>
+              </a:buClr>
+              <a:buFont typeface="Wingdings" charset="2"/>
+              <a:buChar char="§"/>
+              <a:defRPr sz="1800" b="0" i="0" kern="1200">
+                <a:solidFill>
+                  <a:schemeClr val="tx1"/>
+                </a:solidFill>
+                <a:latin typeface="Fugue"/>
+                <a:ea typeface="+mn-ea"/>
+                <a:cs typeface="Fugue"/>
+              </a:defRPr>
+            </a:lvl5pPr>
+            <a:lvl6pPr marL="2514600" indent="-228600" algn="l" defTabSz="457200" rtl="0" eaLnBrk="1" latinLnBrk="0" hangingPunct="1">
+              <a:spcBef>
+                <a:spcPct val="20000"/>
+              </a:spcBef>
+              <a:buFont typeface="Arial"/>
+              <a:buChar char="•"/>
+              <a:defRPr sz="1800" kern="1200">
+                <a:solidFill>
+                  <a:schemeClr val="tx1"/>
+                </a:solidFill>
+                <a:latin typeface="+mn-lt"/>
+                <a:ea typeface="+mn-ea"/>
+                <a:cs typeface="+mn-cs"/>
+              </a:defRPr>
+            </a:lvl6pPr>
+            <a:lvl7pPr marL="2971800" indent="-228600" algn="l" defTabSz="457200" rtl="0" eaLnBrk="1" latinLnBrk="0" hangingPunct="1">
+              <a:spcBef>
+                <a:spcPct val="20000"/>
+              </a:spcBef>
+              <a:buFont typeface="Arial"/>
+              <a:buChar char="•"/>
+              <a:defRPr sz="1800" kern="1200">
+                <a:solidFill>
+                  <a:schemeClr val="tx1"/>
+                </a:solidFill>
+                <a:latin typeface="+mn-lt"/>
+                <a:ea typeface="+mn-ea"/>
+                <a:cs typeface="+mn-cs"/>
+              </a:defRPr>
+            </a:lvl7pPr>
+            <a:lvl8pPr marL="3429000" indent="-228600" algn="l" defTabSz="457200" rtl="0" eaLnBrk="1" latinLnBrk="0" hangingPunct="1">
+              <a:spcBef>
+                <a:spcPct val="20000"/>
+              </a:spcBef>
+              <a:buFont typeface="Arial"/>
+              <a:buChar char="•"/>
+              <a:defRPr sz="1800" kern="1200">
+                <a:solidFill>
+                  <a:schemeClr val="tx1"/>
+                </a:solidFill>
+                <a:latin typeface="+mn-lt"/>
+                <a:ea typeface="+mn-ea"/>
+                <a:cs typeface="+mn-cs"/>
+              </a:defRPr>
+            </a:lvl8pPr>
+            <a:lvl9pPr marL="3886200" indent="-228600" algn="l" defTabSz="457200" rtl="0" eaLnBrk="1" latinLnBrk="0" hangingPunct="1">
+              <a:spcBef>
+                <a:spcPct val="20000"/>
+              </a:spcBef>
+              <a:buFont typeface="Arial"/>
+              <a:buChar char="•"/>
+              <a:defRPr sz="1800" kern="1200">
+                <a:solidFill>
+                  <a:schemeClr val="tx1"/>
+                </a:solidFill>
+                <a:latin typeface="+mn-lt"/>
+                <a:ea typeface="+mn-ea"/>
+                <a:cs typeface="+mn-cs"/>
+              </a:defRPr>
+            </a:lvl9pPr>
+          </a:lstStyle>
+          <a:p>
+            <a:pPr marL="0" indent="0">
+              <a:lnSpc>
+                <a:spcPct val="200000"/>
+              </a:lnSpc>
+              <a:buFont typeface="Wingdings" charset="2"/>
+              <a:buNone/>
+            </a:pPr>
+            <a:r>
+              <a:rPr lang="en-US" sz="1800" dirty="0"/>
+              <a:t>Relationships</a:t>
+            </a:r>
+          </a:p>
+        </p:txBody>
+      </p:sp>
+    </p:spTree>
+    <p:extLst>
+      <p:ext uri="{BB962C8B-B14F-4D97-AF65-F5344CB8AC3E}">
+        <p14:creationId xmlns:p14="http://schemas.microsoft.com/office/powerpoint/2010/main" val="608949284"/>
+      </p:ext>
+    </p:extLst>
+  </p:cSld>
+  <p:clrMapOvr>
+    <a:masterClrMapping/>
+  </p:clrMapOvr>
+</p:sld>
+</file>
+
 <file path=ppt/slides/slide2.xml><?xml version="1.0" encoding="utf-8"?>
 <p:sld xmlns:a="http://schemas.openxmlformats.org/drawingml/2006/main" xmlns:r="http://schemas.openxmlformats.org/officeDocument/2006/relationships" xmlns:p="http://schemas.openxmlformats.org/presentationml/2006/main">
   <p:cSld>
@@ -4979,7 +6931,7 @@
         <p:spPr/>
         <p:txBody>
           <a:bodyPr>
-            <a:normAutofit/>
+            <a:normAutofit fontScale="85000" lnSpcReduction="10000"/>
           </a:bodyPr>
           <a:lstStyle/>
           <a:p>
@@ -5002,6 +6954,28 @@
             <a:r>
               <a:rPr lang="en-US" sz="2400" dirty="0"/>
               <a:t>Sub-objectives: data cleaning and diversity</a:t>
+            </a:r>
+          </a:p>
+          <a:p>
+            <a:pPr lvl="1">
+              <a:lnSpc>
+                <a:spcPct val="200000"/>
+              </a:lnSpc>
+            </a:pPr>
+            <a:r>
+              <a:rPr lang="en-US" sz="2000" dirty="0"/>
+              <a:t>Spent first month cleaning 3 years worth of coaching, SS, FF, HTSAS, Bootcamps, Sprints, Launchpads</a:t>
+            </a:r>
+          </a:p>
+          <a:p>
+            <a:pPr lvl="1">
+              <a:lnSpc>
+                <a:spcPct val="200000"/>
+              </a:lnSpc>
+            </a:pPr>
+            <a:r>
+              <a:rPr lang="en-US" sz="2000" dirty="0"/>
+              <a:t>Clustered this data into network visuals</a:t>
             </a:r>
           </a:p>
           <a:p>
@@ -6581,672 +8555,6 @@
           <p:cNvPr id="2" name="Title 1">
             <a:extLst>
               <a:ext uri="{FF2B5EF4-FFF2-40B4-BE49-F238E27FC236}">
-                <a16:creationId xmlns:a16="http://schemas.microsoft.com/office/drawing/2014/main" id="{FD1D3045-FB77-0B42-AB48-E9BBE193076A}"/>
-              </a:ext>
-            </a:extLst>
-          </p:cNvPr>
-          <p:cNvSpPr>
-            <a:spLocks noGrp="1"/>
-          </p:cNvSpPr>
-          <p:nvPr>
-            <p:ph type="title"/>
-          </p:nvPr>
-        </p:nvSpPr>
-        <p:spPr>
-          <a:xfrm>
-            <a:off x="457200" y="300785"/>
-            <a:ext cx="8244048" cy="902412"/>
-          </a:xfrm>
-        </p:spPr>
-        <p:txBody>
-          <a:bodyPr/>
-          <a:lstStyle/>
-          <a:p>
-            <a:r>
-              <a:rPr lang="en-US" dirty="0"/>
-              <a:t>Adjacency</a:t>
-            </a:r>
-          </a:p>
-        </p:txBody>
-      </p:sp>
-      <p:sp>
-        <p:nvSpPr>
-          <p:cNvPr id="4" name="Slide Number Placeholder 3">
-            <a:extLst>
-              <a:ext uri="{FF2B5EF4-FFF2-40B4-BE49-F238E27FC236}">
-                <a16:creationId xmlns:a16="http://schemas.microsoft.com/office/drawing/2014/main" id="{5341FE1B-C3BE-8A42-8CC0-A79A703A1BC4}"/>
-              </a:ext>
-            </a:extLst>
-          </p:cNvPr>
-          <p:cNvSpPr>
-            <a:spLocks noGrp="1"/>
-          </p:cNvSpPr>
-          <p:nvPr>
-            <p:ph type="sldNum" sz="quarter" idx="4"/>
-          </p:nvPr>
-        </p:nvSpPr>
-        <p:spPr/>
-        <p:txBody>
-          <a:bodyPr/>
-          <a:lstStyle/>
-          <a:p>
-            <a:fld id="{42765631-169E-4944-BFFC-C229B4B1B06E}" type="slidenum">
-              <a:rPr lang="en-US" smtClean="0"/>
-              <a:pPr/>
-              <a:t>7</a:t>
-            </a:fld>
-            <a:endParaRPr lang="en-US" dirty="0"/>
-          </a:p>
-        </p:txBody>
-      </p:sp>
-      <p:sp>
-        <p:nvSpPr>
-          <p:cNvPr id="5" name="Rectangle 4">
-            <a:extLst>
-              <a:ext uri="{FF2B5EF4-FFF2-40B4-BE49-F238E27FC236}">
-                <a16:creationId xmlns:a16="http://schemas.microsoft.com/office/drawing/2014/main" id="{3CB34F4F-87D5-BF47-BAFF-7250921720B6}"/>
-              </a:ext>
-            </a:extLst>
-          </p:cNvPr>
-          <p:cNvSpPr/>
-          <p:nvPr/>
-        </p:nvSpPr>
-        <p:spPr>
-          <a:xfrm>
-            <a:off x="6096000" y="5876071"/>
-            <a:ext cx="3048000" cy="984537"/>
-          </a:xfrm>
-          <a:prstGeom prst="rect">
-            <a:avLst/>
-          </a:prstGeom>
-          <a:ln>
-            <a:noFill/>
-          </a:ln>
-        </p:spPr>
-        <p:style>
-          <a:lnRef idx="2">
-            <a:schemeClr val="dk1"/>
-          </a:lnRef>
-          <a:fillRef idx="1">
-            <a:schemeClr val="lt1"/>
-          </a:fillRef>
-          <a:effectRef idx="0">
-            <a:schemeClr val="dk1"/>
-          </a:effectRef>
-          <a:fontRef idx="minor">
-            <a:schemeClr val="dk1"/>
-          </a:fontRef>
-        </p:style>
-        <p:txBody>
-          <a:bodyPr rtlCol="0" anchor="ctr"/>
-          <a:lstStyle/>
-          <a:p>
-            <a:pPr algn="ctr"/>
-            <a:endParaRPr lang="en-US"/>
-          </a:p>
-        </p:txBody>
-      </p:sp>
-      <p:pic>
-        <p:nvPicPr>
-          <p:cNvPr id="9" name="Content Placeholder 8" descr="Text&#10;&#10;Description automatically generated">
-            <a:extLst>
-              <a:ext uri="{FF2B5EF4-FFF2-40B4-BE49-F238E27FC236}">
-                <a16:creationId xmlns:a16="http://schemas.microsoft.com/office/drawing/2014/main" id="{82513FFC-2EE8-D54B-AD71-0215DE6BB650}"/>
-              </a:ext>
-            </a:extLst>
-          </p:cNvPr>
-          <p:cNvPicPr>
-            <a:picLocks noGrp="1" noChangeAspect="1"/>
-          </p:cNvPicPr>
-          <p:nvPr>
-            <p:ph idx="1"/>
-          </p:nvPr>
-        </p:nvPicPr>
-        <p:blipFill>
-          <a:blip r:embed="rId3"/>
-          <a:stretch>
-            <a:fillRect/>
-          </a:stretch>
-        </p:blipFill>
-        <p:spPr>
-          <a:xfrm>
-            <a:off x="2142211" y="1299747"/>
-            <a:ext cx="4859575" cy="4787900"/>
-          </a:xfrm>
-        </p:spPr>
-      </p:pic>
-      <p:cxnSp>
-        <p:nvCxnSpPr>
-          <p:cNvPr id="10" name="Straight Arrow Connector 9">
-            <a:extLst>
-              <a:ext uri="{FF2B5EF4-FFF2-40B4-BE49-F238E27FC236}">
-                <a16:creationId xmlns:a16="http://schemas.microsoft.com/office/drawing/2014/main" id="{760561FE-8C4F-564D-AAC2-3710E8D17F87}"/>
-              </a:ext>
-            </a:extLst>
-          </p:cNvPr>
-          <p:cNvCxnSpPr>
-            <a:cxnSpLocks/>
-          </p:cNvCxnSpPr>
-          <p:nvPr/>
-        </p:nvCxnSpPr>
-        <p:spPr>
-          <a:xfrm>
-            <a:off x="1600200" y="1524000"/>
-            <a:ext cx="381000" cy="0"/>
-          </a:xfrm>
-          <a:prstGeom prst="straightConnector1">
-            <a:avLst/>
-          </a:prstGeom>
-          <a:ln>
-            <a:solidFill>
-              <a:srgbClr val="1BBECC"/>
-            </a:solidFill>
-            <a:tailEnd type="triangle"/>
-          </a:ln>
-          <a:effectLst/>
-        </p:spPr>
-        <p:style>
-          <a:lnRef idx="3">
-            <a:schemeClr val="accent6"/>
-          </a:lnRef>
-          <a:fillRef idx="0">
-            <a:schemeClr val="accent6"/>
-          </a:fillRef>
-          <a:effectRef idx="2">
-            <a:schemeClr val="accent6"/>
-          </a:effectRef>
-          <a:fontRef idx="minor">
-            <a:schemeClr val="tx1"/>
-          </a:fontRef>
-        </p:style>
-      </p:cxnSp>
-      <p:sp>
-        <p:nvSpPr>
-          <p:cNvPr id="12" name="Content Placeholder 3">
-            <a:extLst>
-              <a:ext uri="{FF2B5EF4-FFF2-40B4-BE49-F238E27FC236}">
-                <a16:creationId xmlns:a16="http://schemas.microsoft.com/office/drawing/2014/main" id="{0F1E68D1-DBF0-5746-9C94-092C51956E02}"/>
-              </a:ext>
-            </a:extLst>
-          </p:cNvPr>
-          <p:cNvSpPr txBox="1">
-            <a:spLocks/>
-          </p:cNvSpPr>
-          <p:nvPr/>
-        </p:nvSpPr>
-        <p:spPr>
-          <a:xfrm>
-            <a:off x="457200" y="1144906"/>
-            <a:ext cx="1292811" cy="758188"/>
-          </a:xfrm>
-          <a:prstGeom prst="rect">
-            <a:avLst/>
-          </a:prstGeom>
-        </p:spPr>
-        <p:txBody>
-          <a:bodyPr vert="horz" lIns="91440" tIns="45720" rIns="91440" bIns="45720" rtlCol="0">
-            <a:normAutofit/>
-          </a:bodyPr>
-          <a:lstStyle>
-            <a:lvl1pPr marL="342900" indent="-342900" algn="l" defTabSz="457200" rtl="0" eaLnBrk="1" latinLnBrk="0" hangingPunct="1">
-              <a:spcBef>
-                <a:spcPct val="20000"/>
-              </a:spcBef>
-              <a:buClr>
-                <a:srgbClr val="440079"/>
-              </a:buClr>
-              <a:buSzPct val="66000"/>
-              <a:buFont typeface="Wingdings" charset="2"/>
-              <a:buChar char="u"/>
-              <a:defRPr sz="2800" b="0" i="0" kern="1200">
-                <a:solidFill>
-                  <a:srgbClr val="999999"/>
-                </a:solidFill>
-                <a:latin typeface="Gotham Book" pitchFamily="2" charset="0"/>
-                <a:ea typeface="+mn-ea"/>
-                <a:cs typeface="Gotham Book" pitchFamily="2" charset="0"/>
-              </a:defRPr>
-            </a:lvl1pPr>
-            <a:lvl2pPr marL="742950" indent="-285750" algn="l" defTabSz="457200" rtl="0" eaLnBrk="1" latinLnBrk="0" hangingPunct="1">
-              <a:spcBef>
-                <a:spcPct val="20000"/>
-              </a:spcBef>
-              <a:buClr>
-                <a:srgbClr val="440079"/>
-              </a:buClr>
-              <a:buSzPct val="66000"/>
-              <a:buFont typeface="Wingdings" charset="2"/>
-              <a:buChar char="u"/>
-              <a:defRPr sz="2400" b="0" i="0" kern="1200">
-                <a:solidFill>
-                  <a:srgbClr val="999999"/>
-                </a:solidFill>
-                <a:latin typeface="Gotham Book" pitchFamily="2" charset="0"/>
-                <a:ea typeface="+mn-ea"/>
-                <a:cs typeface="Gotham Book" pitchFamily="2" charset="0"/>
-              </a:defRPr>
-            </a:lvl2pPr>
-            <a:lvl3pPr marL="1143000" indent="-228600" algn="l" defTabSz="457200" rtl="0" eaLnBrk="1" latinLnBrk="0" hangingPunct="1">
-              <a:spcBef>
-                <a:spcPct val="20000"/>
-              </a:spcBef>
-              <a:buClr>
-                <a:srgbClr val="440079"/>
-              </a:buClr>
-              <a:buSzPct val="66000"/>
-              <a:buFont typeface="Wingdings" charset="2"/>
-              <a:buChar char="u"/>
-              <a:defRPr sz="2000" b="0" i="0" kern="1200">
-                <a:solidFill>
-                  <a:srgbClr val="999999"/>
-                </a:solidFill>
-                <a:latin typeface="Gotham Book" pitchFamily="2" charset="0"/>
-                <a:ea typeface="+mn-ea"/>
-                <a:cs typeface="Gotham Book" pitchFamily="2" charset="0"/>
-              </a:defRPr>
-            </a:lvl3pPr>
-            <a:lvl4pPr marL="1600200" indent="-228600" algn="l" defTabSz="457200" rtl="0" eaLnBrk="1" latinLnBrk="0" hangingPunct="1">
-              <a:spcBef>
-                <a:spcPct val="20000"/>
-              </a:spcBef>
-              <a:buClr>
-                <a:srgbClr val="440079"/>
-              </a:buClr>
-              <a:buSzPct val="66000"/>
-              <a:buFont typeface="Wingdings" charset="2"/>
-              <a:buChar char="u"/>
-              <a:defRPr sz="1800" b="0" i="0" kern="1200">
-                <a:solidFill>
-                  <a:srgbClr val="999999"/>
-                </a:solidFill>
-                <a:latin typeface="Gotham Book" pitchFamily="2" charset="0"/>
-                <a:ea typeface="+mn-ea"/>
-                <a:cs typeface="Gotham Book" pitchFamily="2" charset="0"/>
-              </a:defRPr>
-            </a:lvl4pPr>
-            <a:lvl5pPr marL="2057400" indent="-228600" algn="l" defTabSz="457200" rtl="0" eaLnBrk="1" latinLnBrk="0" hangingPunct="1">
-              <a:spcBef>
-                <a:spcPct val="20000"/>
-              </a:spcBef>
-              <a:buClr>
-                <a:srgbClr val="4C1966"/>
-              </a:buClr>
-              <a:buFont typeface="Wingdings" charset="2"/>
-              <a:buChar char="§"/>
-              <a:defRPr sz="1800" b="0" i="0" kern="1200">
-                <a:solidFill>
-                  <a:schemeClr val="tx1"/>
-                </a:solidFill>
-                <a:latin typeface="Fugue"/>
-                <a:ea typeface="+mn-ea"/>
-                <a:cs typeface="Fugue"/>
-              </a:defRPr>
-            </a:lvl5pPr>
-            <a:lvl6pPr marL="2514600" indent="-228600" algn="l" defTabSz="457200" rtl="0" eaLnBrk="1" latinLnBrk="0" hangingPunct="1">
-              <a:spcBef>
-                <a:spcPct val="20000"/>
-              </a:spcBef>
-              <a:buFont typeface="Arial"/>
-              <a:buChar char="•"/>
-              <a:defRPr sz="1800" kern="1200">
-                <a:solidFill>
-                  <a:schemeClr val="tx1"/>
-                </a:solidFill>
-                <a:latin typeface="+mn-lt"/>
-                <a:ea typeface="+mn-ea"/>
-                <a:cs typeface="+mn-cs"/>
-              </a:defRPr>
-            </a:lvl6pPr>
-            <a:lvl7pPr marL="2971800" indent="-228600" algn="l" defTabSz="457200" rtl="0" eaLnBrk="1" latinLnBrk="0" hangingPunct="1">
-              <a:spcBef>
-                <a:spcPct val="20000"/>
-              </a:spcBef>
-              <a:buFont typeface="Arial"/>
-              <a:buChar char="•"/>
-              <a:defRPr sz="1800" kern="1200">
-                <a:solidFill>
-                  <a:schemeClr val="tx1"/>
-                </a:solidFill>
-                <a:latin typeface="+mn-lt"/>
-                <a:ea typeface="+mn-ea"/>
-                <a:cs typeface="+mn-cs"/>
-              </a:defRPr>
-            </a:lvl7pPr>
-            <a:lvl8pPr marL="3429000" indent="-228600" algn="l" defTabSz="457200" rtl="0" eaLnBrk="1" latinLnBrk="0" hangingPunct="1">
-              <a:spcBef>
-                <a:spcPct val="20000"/>
-              </a:spcBef>
-              <a:buFont typeface="Arial"/>
-              <a:buChar char="•"/>
-              <a:defRPr sz="1800" kern="1200">
-                <a:solidFill>
-                  <a:schemeClr val="tx1"/>
-                </a:solidFill>
-                <a:latin typeface="+mn-lt"/>
-                <a:ea typeface="+mn-ea"/>
-                <a:cs typeface="+mn-cs"/>
-              </a:defRPr>
-            </a:lvl8pPr>
-            <a:lvl9pPr marL="3886200" indent="-228600" algn="l" defTabSz="457200" rtl="0" eaLnBrk="1" latinLnBrk="0" hangingPunct="1">
-              <a:spcBef>
-                <a:spcPct val="20000"/>
-              </a:spcBef>
-              <a:buFont typeface="Arial"/>
-              <a:buChar char="•"/>
-              <a:defRPr sz="1800" kern="1200">
-                <a:solidFill>
-                  <a:schemeClr val="tx1"/>
-                </a:solidFill>
-                <a:latin typeface="+mn-lt"/>
-                <a:ea typeface="+mn-ea"/>
-                <a:cs typeface="+mn-cs"/>
-              </a:defRPr>
-            </a:lvl9pPr>
-          </a:lstStyle>
-          <a:p>
-            <a:pPr marL="0" indent="0">
-              <a:lnSpc>
-                <a:spcPct val="200000"/>
-              </a:lnSpc>
-              <a:buFont typeface="Wingdings" charset="2"/>
-              <a:buNone/>
-            </a:pPr>
-            <a:r>
-              <a:rPr lang="en-US" sz="1800" dirty="0"/>
-              <a:t>Header</a:t>
-            </a:r>
-          </a:p>
-        </p:txBody>
-      </p:sp>
-      <p:sp>
-        <p:nvSpPr>
-          <p:cNvPr id="13" name="Right Brace 12">
-            <a:extLst>
-              <a:ext uri="{FF2B5EF4-FFF2-40B4-BE49-F238E27FC236}">
-                <a16:creationId xmlns:a16="http://schemas.microsoft.com/office/drawing/2014/main" id="{C349D2BD-2CCC-074A-9048-2BB4FD768C2D}"/>
-              </a:ext>
-            </a:extLst>
-          </p:cNvPr>
-          <p:cNvSpPr/>
-          <p:nvPr/>
-        </p:nvSpPr>
-        <p:spPr>
-          <a:xfrm>
-            <a:off x="6593122" y="1744247"/>
-            <a:ext cx="457200" cy="4343400"/>
-          </a:xfrm>
-          <a:prstGeom prst="rightBrace">
-            <a:avLst/>
-          </a:prstGeom>
-          <a:ln>
-            <a:solidFill>
-              <a:srgbClr val="1BBECC"/>
-            </a:solidFill>
-          </a:ln>
-          <a:effectLst>
-            <a:outerShdw blurRad="40000" dist="20000" dir="5400000" rotWithShape="0">
-              <a:schemeClr val="bg1">
-                <a:alpha val="38000"/>
-              </a:schemeClr>
-            </a:outerShdw>
-          </a:effectLst>
-        </p:spPr>
-        <p:style>
-          <a:lnRef idx="2">
-            <a:schemeClr val="accent1"/>
-          </a:lnRef>
-          <a:fillRef idx="0">
-            <a:schemeClr val="accent1"/>
-          </a:fillRef>
-          <a:effectRef idx="1">
-            <a:schemeClr val="accent1"/>
-          </a:effectRef>
-          <a:fontRef idx="minor">
-            <a:schemeClr val="tx1"/>
-          </a:fontRef>
-        </p:style>
-        <p:txBody>
-          <a:bodyPr rtlCol="0" anchor="ctr"/>
-          <a:lstStyle/>
-          <a:p>
-            <a:pPr algn="ctr"/>
-            <a:endParaRPr lang="en-US"/>
-          </a:p>
-        </p:txBody>
-      </p:sp>
-      <p:sp>
-        <p:nvSpPr>
-          <p:cNvPr id="15" name="Content Placeholder 3">
-            <a:extLst>
-              <a:ext uri="{FF2B5EF4-FFF2-40B4-BE49-F238E27FC236}">
-                <a16:creationId xmlns:a16="http://schemas.microsoft.com/office/drawing/2014/main" id="{D7447AEA-BBC4-0B4E-A9B9-9ECC03DFD11F}"/>
-              </a:ext>
-            </a:extLst>
-          </p:cNvPr>
-          <p:cNvSpPr txBox="1">
-            <a:spLocks/>
-          </p:cNvSpPr>
-          <p:nvPr/>
-        </p:nvSpPr>
-        <p:spPr>
-          <a:xfrm>
-            <a:off x="7199986" y="3536853"/>
-            <a:ext cx="1639214" cy="758188"/>
-          </a:xfrm>
-          <a:prstGeom prst="rect">
-            <a:avLst/>
-          </a:prstGeom>
-        </p:spPr>
-        <p:txBody>
-          <a:bodyPr vert="horz" lIns="91440" tIns="45720" rIns="91440" bIns="45720" rtlCol="0">
-            <a:normAutofit fontScale="92500"/>
-          </a:bodyPr>
-          <a:lstStyle>
-            <a:lvl1pPr marL="342900" indent="-342900" algn="l" defTabSz="457200" rtl="0" eaLnBrk="1" latinLnBrk="0" hangingPunct="1">
-              <a:spcBef>
-                <a:spcPct val="20000"/>
-              </a:spcBef>
-              <a:buClr>
-                <a:srgbClr val="440079"/>
-              </a:buClr>
-              <a:buSzPct val="66000"/>
-              <a:buFont typeface="Wingdings" charset="2"/>
-              <a:buChar char="u"/>
-              <a:defRPr sz="2800" b="0" i="0" kern="1200">
-                <a:solidFill>
-                  <a:srgbClr val="999999"/>
-                </a:solidFill>
-                <a:latin typeface="Gotham Book" pitchFamily="2" charset="0"/>
-                <a:ea typeface="+mn-ea"/>
-                <a:cs typeface="Gotham Book" pitchFamily="2" charset="0"/>
-              </a:defRPr>
-            </a:lvl1pPr>
-            <a:lvl2pPr marL="742950" indent="-285750" algn="l" defTabSz="457200" rtl="0" eaLnBrk="1" latinLnBrk="0" hangingPunct="1">
-              <a:spcBef>
-                <a:spcPct val="20000"/>
-              </a:spcBef>
-              <a:buClr>
-                <a:srgbClr val="440079"/>
-              </a:buClr>
-              <a:buSzPct val="66000"/>
-              <a:buFont typeface="Wingdings" charset="2"/>
-              <a:buChar char="u"/>
-              <a:defRPr sz="2400" b="0" i="0" kern="1200">
-                <a:solidFill>
-                  <a:srgbClr val="999999"/>
-                </a:solidFill>
-                <a:latin typeface="Gotham Book" pitchFamily="2" charset="0"/>
-                <a:ea typeface="+mn-ea"/>
-                <a:cs typeface="Gotham Book" pitchFamily="2" charset="0"/>
-              </a:defRPr>
-            </a:lvl2pPr>
-            <a:lvl3pPr marL="1143000" indent="-228600" algn="l" defTabSz="457200" rtl="0" eaLnBrk="1" latinLnBrk="0" hangingPunct="1">
-              <a:spcBef>
-                <a:spcPct val="20000"/>
-              </a:spcBef>
-              <a:buClr>
-                <a:srgbClr val="440079"/>
-              </a:buClr>
-              <a:buSzPct val="66000"/>
-              <a:buFont typeface="Wingdings" charset="2"/>
-              <a:buChar char="u"/>
-              <a:defRPr sz="2000" b="0" i="0" kern="1200">
-                <a:solidFill>
-                  <a:srgbClr val="999999"/>
-                </a:solidFill>
-                <a:latin typeface="Gotham Book" pitchFamily="2" charset="0"/>
-                <a:ea typeface="+mn-ea"/>
-                <a:cs typeface="Gotham Book" pitchFamily="2" charset="0"/>
-              </a:defRPr>
-            </a:lvl3pPr>
-            <a:lvl4pPr marL="1600200" indent="-228600" algn="l" defTabSz="457200" rtl="0" eaLnBrk="1" latinLnBrk="0" hangingPunct="1">
-              <a:spcBef>
-                <a:spcPct val="20000"/>
-              </a:spcBef>
-              <a:buClr>
-                <a:srgbClr val="440079"/>
-              </a:buClr>
-              <a:buSzPct val="66000"/>
-              <a:buFont typeface="Wingdings" charset="2"/>
-              <a:buChar char="u"/>
-              <a:defRPr sz="1800" b="0" i="0" kern="1200">
-                <a:solidFill>
-                  <a:srgbClr val="999999"/>
-                </a:solidFill>
-                <a:latin typeface="Gotham Book" pitchFamily="2" charset="0"/>
-                <a:ea typeface="+mn-ea"/>
-                <a:cs typeface="Gotham Book" pitchFamily="2" charset="0"/>
-              </a:defRPr>
-            </a:lvl4pPr>
-            <a:lvl5pPr marL="2057400" indent="-228600" algn="l" defTabSz="457200" rtl="0" eaLnBrk="1" latinLnBrk="0" hangingPunct="1">
-              <a:spcBef>
-                <a:spcPct val="20000"/>
-              </a:spcBef>
-              <a:buClr>
-                <a:srgbClr val="4C1966"/>
-              </a:buClr>
-              <a:buFont typeface="Wingdings" charset="2"/>
-              <a:buChar char="§"/>
-              <a:defRPr sz="1800" b="0" i="0" kern="1200">
-                <a:solidFill>
-                  <a:schemeClr val="tx1"/>
-                </a:solidFill>
-                <a:latin typeface="Fugue"/>
-                <a:ea typeface="+mn-ea"/>
-                <a:cs typeface="Fugue"/>
-              </a:defRPr>
-            </a:lvl5pPr>
-            <a:lvl6pPr marL="2514600" indent="-228600" algn="l" defTabSz="457200" rtl="0" eaLnBrk="1" latinLnBrk="0" hangingPunct="1">
-              <a:spcBef>
-                <a:spcPct val="20000"/>
-              </a:spcBef>
-              <a:buFont typeface="Arial"/>
-              <a:buChar char="•"/>
-              <a:defRPr sz="1800" kern="1200">
-                <a:solidFill>
-                  <a:schemeClr val="tx1"/>
-                </a:solidFill>
-                <a:latin typeface="+mn-lt"/>
-                <a:ea typeface="+mn-ea"/>
-                <a:cs typeface="+mn-cs"/>
-              </a:defRPr>
-            </a:lvl6pPr>
-            <a:lvl7pPr marL="2971800" indent="-228600" algn="l" defTabSz="457200" rtl="0" eaLnBrk="1" latinLnBrk="0" hangingPunct="1">
-              <a:spcBef>
-                <a:spcPct val="20000"/>
-              </a:spcBef>
-              <a:buFont typeface="Arial"/>
-              <a:buChar char="•"/>
-              <a:defRPr sz="1800" kern="1200">
-                <a:solidFill>
-                  <a:schemeClr val="tx1"/>
-                </a:solidFill>
-                <a:latin typeface="+mn-lt"/>
-                <a:ea typeface="+mn-ea"/>
-                <a:cs typeface="+mn-cs"/>
-              </a:defRPr>
-            </a:lvl7pPr>
-            <a:lvl8pPr marL="3429000" indent="-228600" algn="l" defTabSz="457200" rtl="0" eaLnBrk="1" latinLnBrk="0" hangingPunct="1">
-              <a:spcBef>
-                <a:spcPct val="20000"/>
-              </a:spcBef>
-              <a:buFont typeface="Arial"/>
-              <a:buChar char="•"/>
-              <a:defRPr sz="1800" kern="1200">
-                <a:solidFill>
-                  <a:schemeClr val="tx1"/>
-                </a:solidFill>
-                <a:latin typeface="+mn-lt"/>
-                <a:ea typeface="+mn-ea"/>
-                <a:cs typeface="+mn-cs"/>
-              </a:defRPr>
-            </a:lvl8pPr>
-            <a:lvl9pPr marL="3886200" indent="-228600" algn="l" defTabSz="457200" rtl="0" eaLnBrk="1" latinLnBrk="0" hangingPunct="1">
-              <a:spcBef>
-                <a:spcPct val="20000"/>
-              </a:spcBef>
-              <a:buFont typeface="Arial"/>
-              <a:buChar char="•"/>
-              <a:defRPr sz="1800" kern="1200">
-                <a:solidFill>
-                  <a:schemeClr val="tx1"/>
-                </a:solidFill>
-                <a:latin typeface="+mn-lt"/>
-                <a:ea typeface="+mn-ea"/>
-                <a:cs typeface="+mn-cs"/>
-              </a:defRPr>
-            </a:lvl9pPr>
-          </a:lstStyle>
-          <a:p>
-            <a:pPr marL="0" indent="0">
-              <a:lnSpc>
-                <a:spcPct val="200000"/>
-              </a:lnSpc>
-              <a:buFont typeface="Wingdings" charset="2"/>
-              <a:buNone/>
-            </a:pPr>
-            <a:r>
-              <a:rPr lang="en-US" sz="1800" dirty="0"/>
-              <a:t>Relationships</a:t>
-            </a:r>
-          </a:p>
-        </p:txBody>
-      </p:sp>
-    </p:spTree>
-    <p:extLst>
-      <p:ext uri="{BB962C8B-B14F-4D97-AF65-F5344CB8AC3E}">
-        <p14:creationId xmlns:p14="http://schemas.microsoft.com/office/powerpoint/2010/main" val="608949284"/>
-      </p:ext>
-    </p:extLst>
-  </p:cSld>
-  <p:clrMapOvr>
-    <a:masterClrMapping/>
-  </p:clrMapOvr>
-</p:sld>
-</file>
-
-<file path=ppt/slides/slide8.xml><?xml version="1.0" encoding="utf-8"?>
-<p:sld xmlns:a="http://schemas.openxmlformats.org/drawingml/2006/main" xmlns:r="http://schemas.openxmlformats.org/officeDocument/2006/relationships" xmlns:p="http://schemas.openxmlformats.org/presentationml/2006/main">
-  <p:cSld>
-    <p:spTree>
-      <p:nvGrpSpPr>
-        <p:cNvPr id="1" name=""/>
-        <p:cNvGrpSpPr/>
-        <p:nvPr/>
-      </p:nvGrpSpPr>
-      <p:grpSpPr>
-        <a:xfrm>
-          <a:off x="0" y="0"/>
-          <a:ext cx="0" cy="0"/>
-          <a:chOff x="0" y="0"/>
-          <a:chExt cx="0" cy="0"/>
-        </a:xfrm>
-      </p:grpSpPr>
-      <p:sp>
-        <p:nvSpPr>
-          <p:cNvPr id="2" name="Title 1">
-            <a:extLst>
-              <a:ext uri="{FF2B5EF4-FFF2-40B4-BE49-F238E27FC236}">
                 <a16:creationId xmlns:a16="http://schemas.microsoft.com/office/drawing/2014/main" id="{FAF0F146-921A-1348-AD6A-931078FDC9DB}"/>
               </a:ext>
             </a:extLst>
@@ -7265,7 +8573,7 @@
           <a:p>
             <a:r>
               <a:rPr lang="en-US" dirty="0"/>
-              <a:t>How to read the graph</a:t>
+              <a:t>How to read the graphs</a:t>
             </a:r>
           </a:p>
         </p:txBody>
@@ -7294,7 +8602,7 @@
             <a:fld id="{42765631-169E-4944-BFFC-C229B4B1B06E}" type="slidenum">
               <a:rPr lang="en-US" smtClean="0"/>
               <a:pPr/>
-              <a:t>8</a:t>
+              <a:t>7</a:t>
             </a:fld>
             <a:endParaRPr lang="en-US" dirty="0"/>
           </a:p>
@@ -8109,7 +9417,142 @@
     </p:spTree>
     <p:extLst>
       <p:ext uri="{BB962C8B-B14F-4D97-AF65-F5344CB8AC3E}">
-        <p14:creationId xmlns:p14="http://schemas.microsoft.com/office/powerpoint/2010/main" val="3042680670"/>
+        <p14:creationId xmlns:p14="http://schemas.microsoft.com/office/powerpoint/2010/main" val="2461694215"/>
+      </p:ext>
+    </p:extLst>
+  </p:cSld>
+  <p:clrMapOvr>
+    <a:masterClrMapping/>
+  </p:clrMapOvr>
+</p:sld>
+</file>
+
+<file path=ppt/slides/slide8.xml><?xml version="1.0" encoding="utf-8"?>
+<p:sld xmlns:a="http://schemas.openxmlformats.org/drawingml/2006/main" xmlns:r="http://schemas.openxmlformats.org/officeDocument/2006/relationships" xmlns:p="http://schemas.openxmlformats.org/presentationml/2006/main">
+  <p:cSld>
+    <p:spTree>
+      <p:nvGrpSpPr>
+        <p:cNvPr id="1" name=""/>
+        <p:cNvGrpSpPr/>
+        <p:nvPr/>
+      </p:nvGrpSpPr>
+      <p:grpSpPr>
+        <a:xfrm>
+          <a:off x="0" y="0"/>
+          <a:ext cx="0" cy="0"/>
+          <a:chOff x="0" y="0"/>
+          <a:chExt cx="0" cy="0"/>
+        </a:xfrm>
+      </p:grpSpPr>
+      <p:sp>
+        <p:nvSpPr>
+          <p:cNvPr id="2" name="Title 1">
+            <a:extLst>
+              <a:ext uri="{FF2B5EF4-FFF2-40B4-BE49-F238E27FC236}">
+                <a16:creationId xmlns:a16="http://schemas.microsoft.com/office/drawing/2014/main" id="{F00A0201-D2C7-2C41-8BA7-4025A812C5D9}"/>
+              </a:ext>
+            </a:extLst>
+          </p:cNvPr>
+          <p:cNvSpPr>
+            <a:spLocks noGrp="1"/>
+          </p:cNvSpPr>
+          <p:nvPr>
+            <p:ph type="ctrTitle"/>
+          </p:nvPr>
+        </p:nvSpPr>
+        <p:spPr/>
+        <p:txBody>
+          <a:bodyPr anchor="b"/>
+          <a:lstStyle/>
+          <a:p>
+            <a:r>
+              <a:rPr lang="en-US" sz="7200" dirty="0"/>
+              <a:t>Graphs</a:t>
+            </a:r>
+          </a:p>
+        </p:txBody>
+      </p:sp>
+      <p:sp>
+        <p:nvSpPr>
+          <p:cNvPr id="4" name="Slide Number Placeholder 3">
+            <a:extLst>
+              <a:ext uri="{FF2B5EF4-FFF2-40B4-BE49-F238E27FC236}">
+                <a16:creationId xmlns:a16="http://schemas.microsoft.com/office/drawing/2014/main" id="{F299CB5B-DE3B-5F47-9BBA-50D2811D634F}"/>
+              </a:ext>
+            </a:extLst>
+          </p:cNvPr>
+          <p:cNvSpPr>
+            <a:spLocks noGrp="1"/>
+          </p:cNvSpPr>
+          <p:nvPr>
+            <p:ph type="sldNum" sz="quarter" idx="4"/>
+          </p:nvPr>
+        </p:nvSpPr>
+        <p:spPr/>
+        <p:txBody>
+          <a:bodyPr/>
+          <a:lstStyle/>
+          <a:p>
+            <a:fld id="{42765631-169E-4944-BFFC-C229B4B1B06E}" type="slidenum">
+              <a:rPr lang="en-US" smtClean="0"/>
+              <a:pPr/>
+              <a:t>8</a:t>
+            </a:fld>
+            <a:endParaRPr lang="en-US" dirty="0"/>
+          </a:p>
+        </p:txBody>
+      </p:sp>
+      <p:sp>
+        <p:nvSpPr>
+          <p:cNvPr id="6" name="Rectangle 5">
+            <a:extLst>
+              <a:ext uri="{FF2B5EF4-FFF2-40B4-BE49-F238E27FC236}">
+                <a16:creationId xmlns:a16="http://schemas.microsoft.com/office/drawing/2014/main" id="{3CCABF11-E25D-164D-A3F7-B2F35333D5DE}"/>
+              </a:ext>
+            </a:extLst>
+          </p:cNvPr>
+          <p:cNvSpPr/>
+          <p:nvPr/>
+        </p:nvSpPr>
+        <p:spPr>
+          <a:xfrm>
+            <a:off x="6096000" y="5876071"/>
+            <a:ext cx="3048000" cy="984537"/>
+          </a:xfrm>
+          <a:prstGeom prst="rect">
+            <a:avLst/>
+          </a:prstGeom>
+          <a:ln>
+            <a:noFill/>
+          </a:ln>
+        </p:spPr>
+        <p:style>
+          <a:lnRef idx="2">
+            <a:schemeClr val="dk1"/>
+          </a:lnRef>
+          <a:fillRef idx="1">
+            <a:schemeClr val="lt1"/>
+          </a:fillRef>
+          <a:effectRef idx="0">
+            <a:schemeClr val="dk1"/>
+          </a:effectRef>
+          <a:fontRef idx="minor">
+            <a:schemeClr val="dk1"/>
+          </a:fontRef>
+        </p:style>
+        <p:txBody>
+          <a:bodyPr rtlCol="0" anchor="ctr"/>
+          <a:lstStyle/>
+          <a:p>
+            <a:pPr algn="ctr"/>
+            <a:endParaRPr lang="en-US"/>
+          </a:p>
+        </p:txBody>
+      </p:sp>
+    </p:spTree>
+    <p:extLst>
+      <p:ext uri="{BB962C8B-B14F-4D97-AF65-F5344CB8AC3E}">
+        <p14:creationId xmlns:p14="http://schemas.microsoft.com/office/powerpoint/2010/main" val="2430230254"/>
       </p:ext>
     </p:extLst>
   </p:cSld>
@@ -8159,7 +9602,7 @@
           <a:p>
             <a:r>
               <a:rPr lang="en-US" sz="7200" dirty="0"/>
-              <a:t>Graphs</a:t>
+              <a:t>Analysis</a:t>
             </a:r>
           </a:p>
         </p:txBody>
@@ -8244,7 +9687,7 @@
     </p:spTree>
     <p:extLst>
       <p:ext uri="{BB962C8B-B14F-4D97-AF65-F5344CB8AC3E}">
-        <p14:creationId xmlns:p14="http://schemas.microsoft.com/office/powerpoint/2010/main" val="2430230254"/>
+        <p14:creationId xmlns:p14="http://schemas.microsoft.com/office/powerpoint/2010/main" val="3785878978"/>
       </p:ext>
     </p:extLst>
   </p:cSld>
